--- a/fabian/presentation_tumai_group2.pptx
+++ b/fabian/presentation_tumai_group2.pptx
@@ -4,8 +4,12 @@
   <p:sldMasterIdLst>
     <p:sldMasterId id="2147483648" r:id="rId1"/>
   </p:sldMasterIdLst>
+  <p:notesMasterIdLst>
+    <p:notesMasterId r:id="rId4"/>
+  </p:notesMasterIdLst>
   <p:sldIdLst>
-    <p:sldId id="256" r:id="rId2"/>
+    <p:sldId id="257" r:id="rId2"/>
+    <p:sldId id="258" r:id="rId3"/>
   </p:sldIdLst>
   <p:sldSz cx="12192000" cy="6858000"/>
   <p:notesSz cx="6858000" cy="9144000"/>
@@ -104,7 +108,529 @@
       </a:defRPr>
     </a:lvl9pPr>
   </p:defaultTextStyle>
+  <p:extLst>
+    <p:ext uri="{EFAFB233-063F-42B5-8137-9DF3F51BA10A}">
+      <p15:sldGuideLst xmlns:p15="http://schemas.microsoft.com/office/powerpoint/2012/main"/>
+    </p:ext>
+  </p:extLst>
 </p:presentation>
+</file>
+
+<file path=ppt/notesMasters/notesMaster1.xml><?xml version="1.0" encoding="utf-8"?>
+<p:notesMaster xmlns:a="http://schemas.openxmlformats.org/drawingml/2006/main" xmlns:r="http://schemas.openxmlformats.org/officeDocument/2006/relationships" xmlns:p="http://schemas.openxmlformats.org/presentationml/2006/main">
+  <p:cSld>
+    <p:bg>
+      <p:bgRef idx="1001">
+        <a:schemeClr val="bg1"/>
+      </p:bgRef>
+    </p:bg>
+    <p:spTree>
+      <p:nvGrpSpPr>
+        <p:cNvPr id="1" name=""/>
+        <p:cNvGrpSpPr/>
+        <p:nvPr/>
+      </p:nvGrpSpPr>
+      <p:grpSpPr>
+        <a:xfrm>
+          <a:off x="0" y="0"/>
+          <a:ext cx="0" cy="0"/>
+          <a:chOff x="0" y="0"/>
+          <a:chExt cx="0" cy="0"/>
+        </a:xfrm>
+      </p:grpSpPr>
+      <p:sp>
+        <p:nvSpPr>
+          <p:cNvPr id="2" name="Kopfzeilenplatzhalter 1"/>
+          <p:cNvSpPr>
+            <a:spLocks noGrp="1"/>
+          </p:cNvSpPr>
+          <p:nvPr>
+            <p:ph type="hdr" sz="quarter"/>
+          </p:nvPr>
+        </p:nvSpPr>
+        <p:spPr>
+          <a:xfrm>
+            <a:off x="0" y="0"/>
+            <a:ext cx="2971800" cy="458788"/>
+          </a:xfrm>
+          <a:prstGeom prst="rect">
+            <a:avLst/>
+          </a:prstGeom>
+        </p:spPr>
+        <p:txBody>
+          <a:bodyPr vert="horz" lIns="91440" tIns="45720" rIns="91440" bIns="45720" rtlCol="0"/>
+          <a:lstStyle>
+            <a:lvl1pPr algn="l">
+              <a:defRPr sz="1200"/>
+            </a:lvl1pPr>
+          </a:lstStyle>
+          <a:p>
+            <a:endParaRPr lang="de-DE"/>
+          </a:p>
+        </p:txBody>
+      </p:sp>
+      <p:sp>
+        <p:nvSpPr>
+          <p:cNvPr id="3" name="Datumsplatzhalter 2"/>
+          <p:cNvSpPr>
+            <a:spLocks noGrp="1"/>
+          </p:cNvSpPr>
+          <p:nvPr>
+            <p:ph type="dt" idx="1"/>
+          </p:nvPr>
+        </p:nvSpPr>
+        <p:spPr>
+          <a:xfrm>
+            <a:off x="3884613" y="0"/>
+            <a:ext cx="2971800" cy="458788"/>
+          </a:xfrm>
+          <a:prstGeom prst="rect">
+            <a:avLst/>
+          </a:prstGeom>
+        </p:spPr>
+        <p:txBody>
+          <a:bodyPr vert="horz" lIns="91440" tIns="45720" rIns="91440" bIns="45720" rtlCol="0"/>
+          <a:lstStyle>
+            <a:lvl1pPr algn="r">
+              <a:defRPr sz="1200"/>
+            </a:lvl1pPr>
+          </a:lstStyle>
+          <a:p>
+            <a:fld id="{2FF8AD34-1BD6-7D46-B521-DBE2F3A7784A}" type="datetimeFigureOut">
+              <a:rPr lang="de-DE" smtClean="0"/>
+              <a:t>19.10.24</a:t>
+            </a:fld>
+            <a:endParaRPr lang="de-DE"/>
+          </a:p>
+        </p:txBody>
+      </p:sp>
+      <p:sp>
+        <p:nvSpPr>
+          <p:cNvPr id="4" name="Folienbildplatzhalter 3"/>
+          <p:cNvSpPr>
+            <a:spLocks noGrp="1" noRot="1" noChangeAspect="1"/>
+          </p:cNvSpPr>
+          <p:nvPr>
+            <p:ph type="sldImg" idx="2"/>
+          </p:nvPr>
+        </p:nvSpPr>
+        <p:spPr>
+          <a:xfrm>
+            <a:off x="685800" y="1143000"/>
+            <a:ext cx="5486400" cy="3086100"/>
+          </a:xfrm>
+          <a:prstGeom prst="rect">
+            <a:avLst/>
+          </a:prstGeom>
+          <a:noFill/>
+          <a:ln w="12700">
+            <a:solidFill>
+              <a:prstClr val="black"/>
+            </a:solidFill>
+          </a:ln>
+        </p:spPr>
+        <p:txBody>
+          <a:bodyPr vert="horz" lIns="91440" tIns="45720" rIns="91440" bIns="45720" rtlCol="0" anchor="ctr"/>
+          <a:lstStyle/>
+          <a:p>
+            <a:endParaRPr lang="de-DE"/>
+          </a:p>
+        </p:txBody>
+      </p:sp>
+      <p:sp>
+        <p:nvSpPr>
+          <p:cNvPr id="5" name="Notizenplatzhalter 4"/>
+          <p:cNvSpPr>
+            <a:spLocks noGrp="1"/>
+          </p:cNvSpPr>
+          <p:nvPr>
+            <p:ph type="body" sz="quarter" idx="3"/>
+          </p:nvPr>
+        </p:nvSpPr>
+        <p:spPr>
+          <a:xfrm>
+            <a:off x="685800" y="4400550"/>
+            <a:ext cx="5486400" cy="3600450"/>
+          </a:xfrm>
+          <a:prstGeom prst="rect">
+            <a:avLst/>
+          </a:prstGeom>
+        </p:spPr>
+        <p:txBody>
+          <a:bodyPr vert="horz" lIns="91440" tIns="45720" rIns="91440" bIns="45720" rtlCol="0"/>
+          <a:lstStyle/>
+          <a:p>
+            <a:pPr lvl="0"/>
+            <a:r>
+              <a:rPr lang="de-DE"/>
+              <a:t>Mastertextformat bearbeiten</a:t>
+            </a:r>
+          </a:p>
+          <a:p>
+            <a:pPr lvl="1"/>
+            <a:r>
+              <a:rPr lang="de-DE"/>
+              <a:t>Zweite Ebene</a:t>
+            </a:r>
+          </a:p>
+          <a:p>
+            <a:pPr lvl="2"/>
+            <a:r>
+              <a:rPr lang="de-DE"/>
+              <a:t>Dritte Ebene</a:t>
+            </a:r>
+          </a:p>
+          <a:p>
+            <a:pPr lvl="3"/>
+            <a:r>
+              <a:rPr lang="de-DE"/>
+              <a:t>Vierte Ebene</a:t>
+            </a:r>
+          </a:p>
+          <a:p>
+            <a:pPr lvl="4"/>
+            <a:r>
+              <a:rPr lang="de-DE"/>
+              <a:t>Fünfte Ebene</a:t>
+            </a:r>
+          </a:p>
+        </p:txBody>
+      </p:sp>
+      <p:sp>
+        <p:nvSpPr>
+          <p:cNvPr id="6" name="Fußzeilenplatzhalter 5"/>
+          <p:cNvSpPr>
+            <a:spLocks noGrp="1"/>
+          </p:cNvSpPr>
+          <p:nvPr>
+            <p:ph type="ftr" sz="quarter" idx="4"/>
+          </p:nvPr>
+        </p:nvSpPr>
+        <p:spPr>
+          <a:xfrm>
+            <a:off x="0" y="8685213"/>
+            <a:ext cx="2971800" cy="458787"/>
+          </a:xfrm>
+          <a:prstGeom prst="rect">
+            <a:avLst/>
+          </a:prstGeom>
+        </p:spPr>
+        <p:txBody>
+          <a:bodyPr vert="horz" lIns="91440" tIns="45720" rIns="91440" bIns="45720" rtlCol="0" anchor="b"/>
+          <a:lstStyle>
+            <a:lvl1pPr algn="l">
+              <a:defRPr sz="1200"/>
+            </a:lvl1pPr>
+          </a:lstStyle>
+          <a:p>
+            <a:endParaRPr lang="de-DE"/>
+          </a:p>
+        </p:txBody>
+      </p:sp>
+      <p:sp>
+        <p:nvSpPr>
+          <p:cNvPr id="7" name="Foliennummernplatzhalter 6"/>
+          <p:cNvSpPr>
+            <a:spLocks noGrp="1"/>
+          </p:cNvSpPr>
+          <p:nvPr>
+            <p:ph type="sldNum" sz="quarter" idx="5"/>
+          </p:nvPr>
+        </p:nvSpPr>
+        <p:spPr>
+          <a:xfrm>
+            <a:off x="3884613" y="8685213"/>
+            <a:ext cx="2971800" cy="458787"/>
+          </a:xfrm>
+          <a:prstGeom prst="rect">
+            <a:avLst/>
+          </a:prstGeom>
+        </p:spPr>
+        <p:txBody>
+          <a:bodyPr vert="horz" lIns="91440" tIns="45720" rIns="91440" bIns="45720" rtlCol="0" anchor="b"/>
+          <a:lstStyle>
+            <a:lvl1pPr algn="r">
+              <a:defRPr sz="1200"/>
+            </a:lvl1pPr>
+          </a:lstStyle>
+          <a:p>
+            <a:fld id="{DB4B85D8-5D4B-7948-9C02-E7CBB577A681}" type="slidenum">
+              <a:rPr lang="de-DE" smtClean="0"/>
+              <a:t>‹Nr.›</a:t>
+            </a:fld>
+            <a:endParaRPr lang="de-DE"/>
+          </a:p>
+        </p:txBody>
+      </p:sp>
+    </p:spTree>
+    <p:extLst>
+      <p:ext uri="{BB962C8B-B14F-4D97-AF65-F5344CB8AC3E}">
+        <p14:creationId xmlns:p14="http://schemas.microsoft.com/office/powerpoint/2010/main" val="4192023096"/>
+      </p:ext>
+    </p:extLst>
+  </p:cSld>
+  <p:clrMap bg1="lt1" tx1="dk1" bg2="lt2" tx2="dk2" accent1="accent1" accent2="accent2" accent3="accent3" accent4="accent4" accent5="accent5" accent6="accent6" hlink="hlink" folHlink="folHlink"/>
+  <p:notesStyle>
+    <a:lvl1pPr marL="0" algn="l" defTabSz="914400" rtl="0" eaLnBrk="1" latinLnBrk="0" hangingPunct="1">
+      <a:defRPr sz="1200" kern="1200">
+        <a:solidFill>
+          <a:schemeClr val="tx1"/>
+        </a:solidFill>
+        <a:latin typeface="+mn-lt"/>
+        <a:ea typeface="+mn-ea"/>
+        <a:cs typeface="+mn-cs"/>
+      </a:defRPr>
+    </a:lvl1pPr>
+    <a:lvl2pPr marL="457200" algn="l" defTabSz="914400" rtl="0" eaLnBrk="1" latinLnBrk="0" hangingPunct="1">
+      <a:defRPr sz="1200" kern="1200">
+        <a:solidFill>
+          <a:schemeClr val="tx1"/>
+        </a:solidFill>
+        <a:latin typeface="+mn-lt"/>
+        <a:ea typeface="+mn-ea"/>
+        <a:cs typeface="+mn-cs"/>
+      </a:defRPr>
+    </a:lvl2pPr>
+    <a:lvl3pPr marL="914400" algn="l" defTabSz="914400" rtl="0" eaLnBrk="1" latinLnBrk="0" hangingPunct="1">
+      <a:defRPr sz="1200" kern="1200">
+        <a:solidFill>
+          <a:schemeClr val="tx1"/>
+        </a:solidFill>
+        <a:latin typeface="+mn-lt"/>
+        <a:ea typeface="+mn-ea"/>
+        <a:cs typeface="+mn-cs"/>
+      </a:defRPr>
+    </a:lvl3pPr>
+    <a:lvl4pPr marL="1371600" algn="l" defTabSz="914400" rtl="0" eaLnBrk="1" latinLnBrk="0" hangingPunct="1">
+      <a:defRPr sz="1200" kern="1200">
+        <a:solidFill>
+          <a:schemeClr val="tx1"/>
+        </a:solidFill>
+        <a:latin typeface="+mn-lt"/>
+        <a:ea typeface="+mn-ea"/>
+        <a:cs typeface="+mn-cs"/>
+      </a:defRPr>
+    </a:lvl4pPr>
+    <a:lvl5pPr marL="1828800" algn="l" defTabSz="914400" rtl="0" eaLnBrk="1" latinLnBrk="0" hangingPunct="1">
+      <a:defRPr sz="1200" kern="1200">
+        <a:solidFill>
+          <a:schemeClr val="tx1"/>
+        </a:solidFill>
+        <a:latin typeface="+mn-lt"/>
+        <a:ea typeface="+mn-ea"/>
+        <a:cs typeface="+mn-cs"/>
+      </a:defRPr>
+    </a:lvl5pPr>
+    <a:lvl6pPr marL="2286000" algn="l" defTabSz="914400" rtl="0" eaLnBrk="1" latinLnBrk="0" hangingPunct="1">
+      <a:defRPr sz="1200" kern="1200">
+        <a:solidFill>
+          <a:schemeClr val="tx1"/>
+        </a:solidFill>
+        <a:latin typeface="+mn-lt"/>
+        <a:ea typeface="+mn-ea"/>
+        <a:cs typeface="+mn-cs"/>
+      </a:defRPr>
+    </a:lvl6pPr>
+    <a:lvl7pPr marL="2743200" algn="l" defTabSz="914400" rtl="0" eaLnBrk="1" latinLnBrk="0" hangingPunct="1">
+      <a:defRPr sz="1200" kern="1200">
+        <a:solidFill>
+          <a:schemeClr val="tx1"/>
+        </a:solidFill>
+        <a:latin typeface="+mn-lt"/>
+        <a:ea typeface="+mn-ea"/>
+        <a:cs typeface="+mn-cs"/>
+      </a:defRPr>
+    </a:lvl7pPr>
+    <a:lvl8pPr marL="3200400" algn="l" defTabSz="914400" rtl="0" eaLnBrk="1" latinLnBrk="0" hangingPunct="1">
+      <a:defRPr sz="1200" kern="1200">
+        <a:solidFill>
+          <a:schemeClr val="tx1"/>
+        </a:solidFill>
+        <a:latin typeface="+mn-lt"/>
+        <a:ea typeface="+mn-ea"/>
+        <a:cs typeface="+mn-cs"/>
+      </a:defRPr>
+    </a:lvl8pPr>
+    <a:lvl9pPr marL="3657600" algn="l" defTabSz="914400" rtl="0" eaLnBrk="1" latinLnBrk="0" hangingPunct="1">
+      <a:defRPr sz="1200" kern="1200">
+        <a:solidFill>
+          <a:schemeClr val="tx1"/>
+        </a:solidFill>
+        <a:latin typeface="+mn-lt"/>
+        <a:ea typeface="+mn-ea"/>
+        <a:cs typeface="+mn-cs"/>
+      </a:defRPr>
+    </a:lvl9pPr>
+  </p:notesStyle>
+</p:notesMaster>
+</file>
+
+<file path=ppt/notesSlides/notesSlide1.xml><?xml version="1.0" encoding="utf-8"?>
+<p:notes xmlns:a="http://schemas.openxmlformats.org/drawingml/2006/main" xmlns:r="http://schemas.openxmlformats.org/officeDocument/2006/relationships" xmlns:p="http://schemas.openxmlformats.org/presentationml/2006/main">
+  <p:cSld>
+    <p:spTree>
+      <p:nvGrpSpPr>
+        <p:cNvPr id="1" name=""/>
+        <p:cNvGrpSpPr/>
+        <p:nvPr/>
+      </p:nvGrpSpPr>
+      <p:grpSpPr>
+        <a:xfrm>
+          <a:off x="0" y="0"/>
+          <a:ext cx="0" cy="0"/>
+          <a:chOff x="0" y="0"/>
+          <a:chExt cx="0" cy="0"/>
+        </a:xfrm>
+      </p:grpSpPr>
+      <p:sp>
+        <p:nvSpPr>
+          <p:cNvPr id="2" name="Slide Image Placeholder 1"/>
+          <p:cNvSpPr>
+            <a:spLocks noGrp="1" noRot="1" noChangeAspect="1"/>
+          </p:cNvSpPr>
+          <p:nvPr>
+            <p:ph type="sldImg"/>
+          </p:nvPr>
+        </p:nvSpPr>
+        <p:spPr/>
+      </p:sp>
+      <p:sp>
+        <p:nvSpPr>
+          <p:cNvPr id="3" name="Notes Placeholder 2"/>
+          <p:cNvSpPr>
+            <a:spLocks noGrp="1"/>
+          </p:cNvSpPr>
+          <p:nvPr>
+            <p:ph type="body" idx="1"/>
+          </p:nvPr>
+        </p:nvSpPr>
+        <p:spPr/>
+        <p:txBody>
+          <a:bodyPr/>
+          <a:lstStyle/>
+          <a:p>
+            <a:endParaRPr lang="en-US" dirty="0"/>
+          </a:p>
+        </p:txBody>
+      </p:sp>
+      <p:sp>
+        <p:nvSpPr>
+          <p:cNvPr id="4" name="Slide Number Placeholder 3"/>
+          <p:cNvSpPr>
+            <a:spLocks noGrp="1"/>
+          </p:cNvSpPr>
+          <p:nvPr>
+            <p:ph type="sldNum" sz="quarter" idx="10"/>
+          </p:nvPr>
+        </p:nvSpPr>
+        <p:spPr/>
+        <p:txBody>
+          <a:bodyPr/>
+          <a:lstStyle/>
+          <a:p>
+            <a:fld id="{F7021451-1387-4CA6-816F-3879F97B5CBC}" type="slidenum">
+              <a:rPr lang="en-US"/>
+              <a:t>1</a:t>
+            </a:fld>
+            <a:endParaRPr lang="en-US" dirty="0"/>
+          </a:p>
+        </p:txBody>
+      </p:sp>
+    </p:spTree>
+    <p:extLst>
+      <p:ext uri="{BB962C8B-B14F-4D97-AF65-F5344CB8AC3E}">
+        <p14:creationId xmlns:p14="http://schemas.microsoft.com/office/powerpoint/2010/main" val="1024086991"/>
+      </p:ext>
+    </p:extLst>
+  </p:cSld>
+  <p:clrMapOvr>
+    <a:masterClrMapping/>
+  </p:clrMapOvr>
+</p:notes>
+</file>
+
+<file path=ppt/notesSlides/notesSlide2.xml><?xml version="1.0" encoding="utf-8"?>
+<p:notes xmlns:a="http://schemas.openxmlformats.org/drawingml/2006/main" xmlns:r="http://schemas.openxmlformats.org/officeDocument/2006/relationships" xmlns:p="http://schemas.openxmlformats.org/presentationml/2006/main">
+  <p:cSld>
+    <p:spTree>
+      <p:nvGrpSpPr>
+        <p:cNvPr id="1" name=""/>
+        <p:cNvGrpSpPr/>
+        <p:nvPr/>
+      </p:nvGrpSpPr>
+      <p:grpSpPr>
+        <a:xfrm>
+          <a:off x="0" y="0"/>
+          <a:ext cx="0" cy="0"/>
+          <a:chOff x="0" y="0"/>
+          <a:chExt cx="0" cy="0"/>
+        </a:xfrm>
+      </p:grpSpPr>
+      <p:sp>
+        <p:nvSpPr>
+          <p:cNvPr id="2" name="Slide Image Placeholder 1"/>
+          <p:cNvSpPr>
+            <a:spLocks noGrp="1" noRot="1" noChangeAspect="1"/>
+          </p:cNvSpPr>
+          <p:nvPr>
+            <p:ph type="sldImg"/>
+          </p:nvPr>
+        </p:nvSpPr>
+        <p:spPr/>
+      </p:sp>
+      <p:sp>
+        <p:nvSpPr>
+          <p:cNvPr id="3" name="Notes Placeholder 2"/>
+          <p:cNvSpPr>
+            <a:spLocks noGrp="1"/>
+          </p:cNvSpPr>
+          <p:nvPr>
+            <p:ph type="body" idx="1"/>
+          </p:nvPr>
+        </p:nvSpPr>
+        <p:spPr/>
+        <p:txBody>
+          <a:bodyPr/>
+          <a:lstStyle/>
+          <a:p>
+            <a:endParaRPr lang="en-US" dirty="0"/>
+          </a:p>
+        </p:txBody>
+      </p:sp>
+      <p:sp>
+        <p:nvSpPr>
+          <p:cNvPr id="4" name="Slide Number Placeholder 3"/>
+          <p:cNvSpPr>
+            <a:spLocks noGrp="1"/>
+          </p:cNvSpPr>
+          <p:nvPr>
+            <p:ph type="sldNum" sz="quarter" idx="10"/>
+          </p:nvPr>
+        </p:nvSpPr>
+        <p:spPr/>
+        <p:txBody>
+          <a:bodyPr/>
+          <a:lstStyle/>
+          <a:p>
+            <a:fld id="{F7021451-1387-4CA6-816F-3879F97B5CBC}" type="slidenum">
+              <a:rPr lang="en-US"/>
+              <a:t>2</a:t>
+            </a:fld>
+            <a:endParaRPr lang="en-US" dirty="0"/>
+          </a:p>
+        </p:txBody>
+      </p:sp>
+    </p:spTree>
+    <p:extLst>
+      <p:ext uri="{BB962C8B-B14F-4D97-AF65-F5344CB8AC3E}">
+        <p14:creationId xmlns:p14="http://schemas.microsoft.com/office/powerpoint/2010/main" val="1024086991"/>
+      </p:ext>
+    </p:extLst>
+  </p:cSld>
+  <p:clrMapOvr>
+    <a:masterClrMapping/>
+  </p:clrMapOvr>
+</p:notes>
 </file>
 
 <file path=ppt/slideLayouts/slideLayout1.xml><?xml version="1.0" encoding="utf-8"?>
@@ -724,6 +1250,41 @@
     <p:extLst>
       <p:ext uri="{BB962C8B-B14F-4D97-AF65-F5344CB8AC3E}">
         <p14:creationId xmlns:p14="http://schemas.microsoft.com/office/powerpoint/2010/main" val="3011022670"/>
+      </p:ext>
+    </p:extLst>
+  </p:cSld>
+  <p:clrMapOvr>
+    <a:masterClrMapping/>
+  </p:clrMapOvr>
+</p:sldLayout>
+</file>
+
+<file path=ppt/slideLayouts/slideLayout12.xml><?xml version="1.0" encoding="utf-8"?>
+<p:sldLayout xmlns:a="http://schemas.openxmlformats.org/drawingml/2006/main" xmlns:r="http://schemas.openxmlformats.org/officeDocument/2006/relationships" xmlns:p="http://schemas.openxmlformats.org/presentationml/2006/main">
+  <p:cSld name="DEFAULT">
+    <p:bg>
+      <p:bgRef idx="1001">
+        <a:schemeClr val="bg1"/>
+      </p:bgRef>
+    </p:bg>
+    <p:spTree>
+      <p:nvGrpSpPr>
+        <p:cNvPr id="1" name=""/>
+        <p:cNvGrpSpPr/>
+        <p:nvPr/>
+      </p:nvGrpSpPr>
+      <p:grpSpPr>
+        <a:xfrm>
+          <a:off x="0" y="0"/>
+          <a:ext cx="0" cy="0"/>
+          <a:chOff x="0" y="0"/>
+          <a:chExt cx="0" cy="0"/>
+        </a:xfrm>
+      </p:grpSpPr>
+    </p:spTree>
+    <p:extLst>
+      <p:ext uri="{BB962C8B-B14F-4D97-AF65-F5344CB8AC3E}">
+        <p14:creationId xmlns:p14="http://schemas.microsoft.com/office/powerpoint/2010/main" val="364349839"/>
       </p:ext>
     </p:extLst>
   </p:cSld>
@@ -3020,6 +3581,7 @@
     <p:sldLayoutId id="2147483657" r:id="rId9"/>
     <p:sldLayoutId id="2147483658" r:id="rId10"/>
     <p:sldLayoutId id="2147483659" r:id="rId11"/>
+    <p:sldLayoutId id="2147483660" r:id="rId12"/>
   </p:sldLayoutIdLst>
   <p:txStyles>
     <p:titleStyle>
@@ -3323,60 +3885,698 @@
       </p:grpSpPr>
       <p:sp>
         <p:nvSpPr>
-          <p:cNvPr id="2" name="Titel 1">
-            <a:extLst>
-              <a:ext uri="{FF2B5EF4-FFF2-40B4-BE49-F238E27FC236}">
-                <a16:creationId xmlns:a16="http://schemas.microsoft.com/office/drawing/2014/main" id="{E497F7E7-C986-6302-7979-CAD5F6A35BAC}"/>
-              </a:ext>
-            </a:extLst>
-          </p:cNvPr>
-          <p:cNvSpPr>
-            <a:spLocks noGrp="1"/>
-          </p:cNvSpPr>
-          <p:nvPr>
-            <p:ph type="ctrTitle"/>
-          </p:nvPr>
-        </p:nvSpPr>
-        <p:spPr/>
-        <p:txBody>
-          <a:bodyPr/>
-          <a:lstStyle/>
-          <a:p>
-            <a:endParaRPr lang="de-DE"/>
-          </a:p>
-        </p:txBody>
-      </p:sp>
-      <p:sp>
-        <p:nvSpPr>
-          <p:cNvPr id="3" name="Untertitel 2">
-            <a:extLst>
-              <a:ext uri="{FF2B5EF4-FFF2-40B4-BE49-F238E27FC236}">
-                <a16:creationId xmlns:a16="http://schemas.microsoft.com/office/drawing/2014/main" id="{12E57EDD-28D2-96BD-4AC8-DACDE6B8E835}"/>
-              </a:ext>
-            </a:extLst>
-          </p:cNvPr>
-          <p:cNvSpPr>
-            <a:spLocks noGrp="1"/>
-          </p:cNvSpPr>
-          <p:nvPr>
-            <p:ph type="subTitle" idx="1"/>
-          </p:nvPr>
-        </p:nvSpPr>
-        <p:spPr/>
-        <p:txBody>
-          <a:bodyPr/>
-          <a:lstStyle/>
-          <a:p>
-            <a:endParaRPr lang="de-DE"/>
-          </a:p>
-        </p:txBody>
-      </p:sp>
+          <p:cNvPr id="9" name="Text 5"/>
+          <p:cNvSpPr/>
+          <p:nvPr/>
+        </p:nvSpPr>
+        <p:spPr>
+          <a:xfrm>
+            <a:off x="747776" y="3429000"/>
+            <a:ext cx="7189725" cy="827171"/>
+          </a:xfrm>
+          <a:prstGeom prst="rect">
+            <a:avLst/>
+          </a:prstGeom>
+          <a:noFill/>
+          <a:ln/>
+        </p:spPr>
+        <p:txBody>
+          <a:bodyPr wrap="square" lIns="0" tIns="0" rIns="0" bIns="0" rtlCol="0" anchor="b"/>
+          <a:lstStyle/>
+          <a:p>
+            <a:pPr algn="l">
+              <a:lnSpc>
+                <a:spcPct val="150000"/>
+              </a:lnSpc>
+            </a:pPr>
+            <a:endParaRPr lang="en-US" sz="4267" dirty="0"/>
+          </a:p>
+        </p:txBody>
+      </p:sp>
+      <p:sp>
+        <p:nvSpPr>
+          <p:cNvPr id="2" name="Text 1">
+            <a:extLst>
+              <a:ext uri="{FF2B5EF4-FFF2-40B4-BE49-F238E27FC236}">
+                <a16:creationId xmlns:a16="http://schemas.microsoft.com/office/drawing/2014/main" id="{9DEF2A48-7923-4FCB-AEB7-6FA3E8EE3F1A}"/>
+              </a:ext>
+            </a:extLst>
+          </p:cNvPr>
+          <p:cNvSpPr/>
+          <p:nvPr/>
+        </p:nvSpPr>
+        <p:spPr>
+          <a:xfrm>
+            <a:off x="1158210" y="6246730"/>
+            <a:ext cx="3619500" cy="190500"/>
+          </a:xfrm>
+          <a:prstGeom prst="rect">
+            <a:avLst/>
+          </a:prstGeom>
+          <a:noFill/>
+          <a:ln/>
+        </p:spPr>
+        <p:txBody>
+          <a:bodyPr wrap="square" lIns="0" tIns="0" rIns="0" bIns="0" rtlCol="0" anchor="t"/>
+          <a:lstStyle/>
+          <a:p>
+            <a:pPr>
+              <a:lnSpc>
+                <a:spcPts val="1500"/>
+              </a:lnSpc>
+            </a:pPr>
+            <a:endParaRPr lang="en-US" sz="1067" b="1" dirty="0">
+              <a:latin typeface="DM Sans" pitchFamily="2" charset="77"/>
+            </a:endParaRPr>
+          </a:p>
+        </p:txBody>
+      </p:sp>
+      <p:sp>
+        <p:nvSpPr>
+          <p:cNvPr id="12" name="AutoShape 4" descr="BMW Group">
+            <a:extLst>
+              <a:ext uri="{FF2B5EF4-FFF2-40B4-BE49-F238E27FC236}">
+                <a16:creationId xmlns:a16="http://schemas.microsoft.com/office/drawing/2014/main" id="{8F772062-4B66-FF90-3B4A-5F320B529805}"/>
+              </a:ext>
+            </a:extLst>
+          </p:cNvPr>
+          <p:cNvSpPr>
+            <a:spLocks noChangeAspect="1" noChangeArrowheads="1"/>
+          </p:cNvSpPr>
+          <p:nvPr/>
+        </p:nvSpPr>
+        <p:spPr bwMode="auto">
+          <a:xfrm>
+            <a:off x="6096000" y="3429000"/>
+            <a:ext cx="406400" cy="406400"/>
+          </a:xfrm>
+          <a:prstGeom prst="rect">
+            <a:avLst/>
+          </a:prstGeom>
+          <a:noFill/>
+          <a:extLst>
+            <a:ext uri="{909E8E84-426E-40DD-AFC4-6F175D3DCCD1}">
+              <a14:hiddenFill xmlns:a14="http://schemas.microsoft.com/office/drawing/2010/main">
+                <a:solidFill>
+                  <a:srgbClr val="FFFFFF"/>
+                </a:solidFill>
+              </a14:hiddenFill>
+            </a:ext>
+          </a:extLst>
+        </p:spPr>
+        <p:txBody>
+          <a:bodyPr vert="horz" wrap="square" lIns="121920" tIns="60960" rIns="121920" bIns="60960" numCol="1" anchor="t" anchorCtr="0" compatLnSpc="1">
+            <a:prstTxWarp prst="textNoShape">
+              <a:avLst/>
+            </a:prstTxWarp>
+          </a:bodyPr>
+          <a:lstStyle/>
+          <a:p>
+            <a:endParaRPr lang="en-GB" sz="2400" dirty="0"/>
+          </a:p>
+        </p:txBody>
+      </p:sp>
+      <p:sp>
+        <p:nvSpPr>
+          <p:cNvPr id="11" name="AutoShape 2" descr="BMW Group">
+            <a:extLst>
+              <a:ext uri="{FF2B5EF4-FFF2-40B4-BE49-F238E27FC236}">
+                <a16:creationId xmlns:a16="http://schemas.microsoft.com/office/drawing/2014/main" id="{E9BBB771-62F9-198B-E451-6E16C3FEC181}"/>
+              </a:ext>
+            </a:extLst>
+          </p:cNvPr>
+          <p:cNvSpPr>
+            <a:spLocks noChangeAspect="1" noChangeArrowheads="1"/>
+          </p:cNvSpPr>
+          <p:nvPr/>
+        </p:nvSpPr>
+        <p:spPr bwMode="auto">
+          <a:xfrm>
+            <a:off x="5892800" y="3225800"/>
+            <a:ext cx="406400" cy="406400"/>
+          </a:xfrm>
+          <a:prstGeom prst="rect">
+            <a:avLst/>
+          </a:prstGeom>
+          <a:noFill/>
+          <a:extLst>
+            <a:ext uri="{909E8E84-426E-40DD-AFC4-6F175D3DCCD1}">
+              <a14:hiddenFill xmlns:a14="http://schemas.microsoft.com/office/drawing/2010/main">
+                <a:solidFill>
+                  <a:srgbClr val="FFFFFF"/>
+                </a:solidFill>
+              </a14:hiddenFill>
+            </a:ext>
+          </a:extLst>
+        </p:spPr>
+        <p:txBody>
+          <a:bodyPr vert="horz" wrap="square" lIns="121920" tIns="60960" rIns="121920" bIns="60960" numCol="1" anchor="t" anchorCtr="0" compatLnSpc="1">
+            <a:prstTxWarp prst="textNoShape">
+              <a:avLst/>
+            </a:prstTxWarp>
+          </a:bodyPr>
+          <a:lstStyle/>
+          <a:p>
+            <a:endParaRPr lang="en-GB" sz="2400" dirty="0"/>
+          </a:p>
+        </p:txBody>
+      </p:sp>
+      <p:sp>
+        <p:nvSpPr>
+          <p:cNvPr id="13" name="AutoShape 6" descr="BMW Group">
+            <a:extLst>
+              <a:ext uri="{FF2B5EF4-FFF2-40B4-BE49-F238E27FC236}">
+                <a16:creationId xmlns:a16="http://schemas.microsoft.com/office/drawing/2014/main" id="{DEB7D181-F09B-733E-BD63-86EE54624D2E}"/>
+              </a:ext>
+            </a:extLst>
+          </p:cNvPr>
+          <p:cNvSpPr>
+            <a:spLocks noChangeAspect="1" noChangeArrowheads="1"/>
+          </p:cNvSpPr>
+          <p:nvPr/>
+        </p:nvSpPr>
+        <p:spPr bwMode="auto">
+          <a:xfrm>
+            <a:off x="341376" y="5542280"/>
+            <a:ext cx="406400" cy="406400"/>
+          </a:xfrm>
+          <a:prstGeom prst="rect">
+            <a:avLst/>
+          </a:prstGeom>
+          <a:noFill/>
+          <a:extLst>
+            <a:ext uri="{909E8E84-426E-40DD-AFC4-6F175D3DCCD1}">
+              <a14:hiddenFill xmlns:a14="http://schemas.microsoft.com/office/drawing/2010/main">
+                <a:solidFill>
+                  <a:srgbClr val="FFFFFF"/>
+                </a:solidFill>
+              </a14:hiddenFill>
+            </a:ext>
+          </a:extLst>
+        </p:spPr>
+        <p:txBody>
+          <a:bodyPr vert="horz" wrap="square" lIns="121920" tIns="60960" rIns="121920" bIns="60960" numCol="1" anchor="t" anchorCtr="0" compatLnSpc="1">
+            <a:prstTxWarp prst="textNoShape">
+              <a:avLst/>
+            </a:prstTxWarp>
+          </a:bodyPr>
+          <a:lstStyle/>
+          <a:p>
+            <a:endParaRPr lang="en-GB" sz="2400" dirty="0"/>
+          </a:p>
+        </p:txBody>
+      </p:sp>
+      <p:sp>
+        <p:nvSpPr>
+          <p:cNvPr id="14" name="AutoShape 8" descr="BMW Group">
+            <a:extLst>
+              <a:ext uri="{FF2B5EF4-FFF2-40B4-BE49-F238E27FC236}">
+                <a16:creationId xmlns:a16="http://schemas.microsoft.com/office/drawing/2014/main" id="{BF9B690C-281D-A57B-9C92-949CE3E380FA}"/>
+              </a:ext>
+            </a:extLst>
+          </p:cNvPr>
+          <p:cNvSpPr>
+            <a:spLocks noChangeAspect="1" noChangeArrowheads="1"/>
+          </p:cNvSpPr>
+          <p:nvPr/>
+        </p:nvSpPr>
+        <p:spPr bwMode="auto">
+          <a:xfrm>
+            <a:off x="6299200" y="3632200"/>
+            <a:ext cx="406400" cy="406400"/>
+          </a:xfrm>
+          <a:prstGeom prst="rect">
+            <a:avLst/>
+          </a:prstGeom>
+          <a:noFill/>
+          <a:extLst>
+            <a:ext uri="{909E8E84-426E-40DD-AFC4-6F175D3DCCD1}">
+              <a14:hiddenFill xmlns:a14="http://schemas.microsoft.com/office/drawing/2010/main">
+                <a:solidFill>
+                  <a:srgbClr val="FFFFFF"/>
+                </a:solidFill>
+              </a14:hiddenFill>
+            </a:ext>
+          </a:extLst>
+        </p:spPr>
+        <p:txBody>
+          <a:bodyPr vert="horz" wrap="square" lIns="121920" tIns="60960" rIns="121920" bIns="60960" numCol="1" anchor="t" anchorCtr="0" compatLnSpc="1">
+            <a:prstTxWarp prst="textNoShape">
+              <a:avLst/>
+            </a:prstTxWarp>
+          </a:bodyPr>
+          <a:lstStyle/>
+          <a:p>
+            <a:endParaRPr lang="en-GB" sz="2400" dirty="0"/>
+          </a:p>
+        </p:txBody>
+      </p:sp>
+      <p:sp>
+        <p:nvSpPr>
+          <p:cNvPr id="5" name="Shape 0">
+            <a:extLst>
+              <a:ext uri="{FF2B5EF4-FFF2-40B4-BE49-F238E27FC236}">
+                <a16:creationId xmlns:a16="http://schemas.microsoft.com/office/drawing/2014/main" id="{29E9CF74-EE14-8DFF-39B5-C7FA70B717B4}"/>
+              </a:ext>
+            </a:extLst>
+          </p:cNvPr>
+          <p:cNvSpPr>
+            <a:spLocks/>
+          </p:cNvSpPr>
+          <p:nvPr/>
+        </p:nvSpPr>
+        <p:spPr>
+          <a:xfrm>
+            <a:off x="7937502" y="0"/>
+            <a:ext cx="4254497" cy="6858000"/>
+          </a:xfrm>
+          <a:prstGeom prst="roundRect">
+            <a:avLst>
+              <a:gd name="adj" fmla="val -40000"/>
+            </a:avLst>
+          </a:prstGeom>
+          <a:gradFill>
+            <a:gsLst>
+              <a:gs pos="100000">
+                <a:schemeClr val="tx2">
+                  <a:lumMod val="50000"/>
+                  <a:lumOff val="50000"/>
+                </a:schemeClr>
+              </a:gs>
+              <a:gs pos="0">
+                <a:schemeClr val="tx2">
+                  <a:lumMod val="90000"/>
+                  <a:lumOff val="10000"/>
+                </a:schemeClr>
+              </a:gs>
+              <a:gs pos="54000">
+                <a:schemeClr val="accent1">
+                  <a:lumMod val="75000"/>
+                </a:schemeClr>
+              </a:gs>
+            </a:gsLst>
+            <a:lin ang="2700000"/>
+          </a:gradFill>
+          <a:ln/>
+        </p:spPr>
+        <p:txBody>
+          <a:bodyPr/>
+          <a:lstStyle/>
+          <a:p>
+            <a:endParaRPr lang="en-GB" sz="2400" dirty="0"/>
+          </a:p>
+        </p:txBody>
+      </p:sp>
+      <p:sp>
+        <p:nvSpPr>
+          <p:cNvPr id="3" name="Textfeld 2">
+            <a:extLst>
+              <a:ext uri="{FF2B5EF4-FFF2-40B4-BE49-F238E27FC236}">
+                <a16:creationId xmlns:a16="http://schemas.microsoft.com/office/drawing/2014/main" id="{AB430F65-20B8-1EF1-B09B-8A4F7611F85F}"/>
+              </a:ext>
+            </a:extLst>
+          </p:cNvPr>
+          <p:cNvSpPr txBox="1"/>
+          <p:nvPr/>
+        </p:nvSpPr>
+        <p:spPr>
+          <a:xfrm>
+            <a:off x="747775" y="2962241"/>
+            <a:ext cx="6250750" cy="461665"/>
+          </a:xfrm>
+          <a:prstGeom prst="rect">
+            <a:avLst/>
+          </a:prstGeom>
+          <a:noFill/>
+        </p:spPr>
+        <p:txBody>
+          <a:bodyPr wrap="none" rtlCol="0">
+            <a:spAutoFit/>
+          </a:bodyPr>
+          <a:lstStyle/>
+          <a:p>
+            <a:r>
+              <a:rPr lang="de-DE" sz="2400" b="1" dirty="0" err="1"/>
+              <a:t>How</a:t>
+            </a:r>
+            <a:r>
+              <a:rPr lang="de-DE" sz="2400" b="1" dirty="0"/>
+              <a:t> </a:t>
+            </a:r>
+            <a:r>
+              <a:rPr lang="de-DE" sz="2400" b="1" dirty="0" err="1"/>
+              <a:t>does</a:t>
+            </a:r>
+            <a:r>
+              <a:rPr lang="de-DE" sz="2400" b="1" dirty="0"/>
+              <a:t> YC </a:t>
+            </a:r>
+            <a:r>
+              <a:rPr lang="en-US" sz="2400" b="1" dirty="0"/>
+              <a:t>choose</a:t>
+            </a:r>
+            <a:r>
+              <a:rPr lang="de-DE" sz="2400" b="1" dirty="0"/>
+              <a:t> </a:t>
+            </a:r>
+            <a:r>
+              <a:rPr lang="de-DE" sz="2400" b="1" dirty="0" err="1"/>
+              <a:t>start-ups</a:t>
+            </a:r>
+            <a:r>
+              <a:rPr lang="de-DE" sz="2400" b="1" dirty="0"/>
+              <a:t> </a:t>
+            </a:r>
+            <a:r>
+              <a:rPr lang="de-DE" sz="2400" b="1" dirty="0" err="1"/>
+              <a:t>to</a:t>
+            </a:r>
+            <a:r>
+              <a:rPr lang="de-DE" sz="2400" b="1" dirty="0"/>
+              <a:t> </a:t>
+            </a:r>
+            <a:r>
+              <a:rPr lang="de-DE" sz="2400" b="1" dirty="0" err="1"/>
+              <a:t>invest</a:t>
+            </a:r>
+            <a:r>
+              <a:rPr lang="de-DE" sz="2400" b="1"/>
+              <a:t> in?</a:t>
+            </a:r>
+            <a:endParaRPr lang="de-DE" sz="2400" b="1" dirty="0"/>
+          </a:p>
+        </p:txBody>
+      </p:sp>
+      <p:sp>
+        <p:nvSpPr>
+          <p:cNvPr id="4" name="Textfeld 3">
+            <a:extLst>
+              <a:ext uri="{FF2B5EF4-FFF2-40B4-BE49-F238E27FC236}">
+                <a16:creationId xmlns:a16="http://schemas.microsoft.com/office/drawing/2014/main" id="{9B2171EE-0038-CF2F-AD70-931F01A8FCC7}"/>
+              </a:ext>
+            </a:extLst>
+          </p:cNvPr>
+          <p:cNvSpPr txBox="1"/>
+          <p:nvPr/>
+        </p:nvSpPr>
+        <p:spPr>
+          <a:xfrm>
+            <a:off x="544576" y="6252564"/>
+            <a:ext cx="3182025" cy="369332"/>
+          </a:xfrm>
+          <a:prstGeom prst="rect">
+            <a:avLst/>
+          </a:prstGeom>
+          <a:noFill/>
+        </p:spPr>
+        <p:txBody>
+          <a:bodyPr wrap="none" rtlCol="0">
+            <a:spAutoFit/>
+          </a:bodyPr>
+          <a:lstStyle/>
+          <a:p>
+            <a:r>
+              <a:rPr lang="en-US" dirty="0"/>
+              <a:t>Presentation Group 2 – </a:t>
+            </a:r>
+            <a:r>
+              <a:rPr lang="en-US" dirty="0" err="1"/>
+              <a:t>TUM.ai</a:t>
+            </a:r>
+            <a:endParaRPr lang="en-US" dirty="0"/>
+          </a:p>
+        </p:txBody>
+      </p:sp>
+      <p:pic>
+        <p:nvPicPr>
+          <p:cNvPr id="1032" name="Picture 8" descr="13 consejos fundamentales de Y Combinator para el camino el éxito">
+            <a:extLst>
+              <a:ext uri="{FF2B5EF4-FFF2-40B4-BE49-F238E27FC236}">
+                <a16:creationId xmlns:a16="http://schemas.microsoft.com/office/drawing/2014/main" id="{1215D834-28E3-B85D-078B-F7D53D81D5AB}"/>
+              </a:ext>
+            </a:extLst>
+          </p:cNvPr>
+          <p:cNvPicPr>
+            <a:picLocks noChangeAspect="1" noChangeArrowheads="1"/>
+          </p:cNvPicPr>
+          <p:nvPr/>
+        </p:nvPicPr>
+        <p:blipFill>
+          <a:blip r:embed="rId3">
+            <a:extLst>
+              <a:ext uri="{28A0092B-C50C-407E-A947-70E740481C1C}">
+                <a14:useLocalDpi xmlns:a14="http://schemas.microsoft.com/office/drawing/2010/main" val="0"/>
+              </a:ext>
+            </a:extLst>
+          </a:blip>
+          <a:srcRect/>
+          <a:stretch>
+            <a:fillRect/>
+          </a:stretch>
+        </p:blipFill>
+        <p:spPr bwMode="auto">
+          <a:xfrm>
+            <a:off x="8755166" y="2329447"/>
+            <a:ext cx="2689058" cy="1792705"/>
+          </a:xfrm>
+          <a:prstGeom prst="rect">
+            <a:avLst/>
+          </a:prstGeom>
+          <a:noFill/>
+          <a:extLst>
+            <a:ext uri="{909E8E84-426E-40DD-AFC4-6F175D3DCCD1}">
+              <a14:hiddenFill xmlns:a14="http://schemas.microsoft.com/office/drawing/2010/main">
+                <a:solidFill>
+                  <a:srgbClr val="FFFFFF"/>
+                </a:solidFill>
+              </a14:hiddenFill>
+            </a:ext>
+          </a:extLst>
+        </p:spPr>
+      </p:pic>
     </p:spTree>
-    <p:extLst>
-      <p:ext uri="{BB962C8B-B14F-4D97-AF65-F5344CB8AC3E}">
-        <p14:creationId xmlns:p14="http://schemas.microsoft.com/office/powerpoint/2010/main" val="1688146725"/>
-      </p:ext>
-    </p:extLst>
+  </p:cSld>
+  <p:clrMapOvr>
+    <a:masterClrMapping/>
+  </p:clrMapOvr>
+</p:sld>
+</file>
+
+<file path=ppt/slides/slide2.xml><?xml version="1.0" encoding="utf-8"?>
+<p:sld xmlns:a="http://schemas.openxmlformats.org/drawingml/2006/main" xmlns:r="http://schemas.openxmlformats.org/officeDocument/2006/relationships" xmlns:p="http://schemas.openxmlformats.org/presentationml/2006/main">
+  <p:cSld>
+    <p:spTree>
+      <p:nvGrpSpPr>
+        <p:cNvPr id="1" name=""/>
+        <p:cNvGrpSpPr/>
+        <p:nvPr/>
+      </p:nvGrpSpPr>
+      <p:grpSpPr>
+        <a:xfrm>
+          <a:off x="0" y="0"/>
+          <a:ext cx="0" cy="0"/>
+          <a:chOff x="0" y="0"/>
+          <a:chExt cx="0" cy="0"/>
+        </a:xfrm>
+      </p:grpSpPr>
+      <p:sp>
+        <p:nvSpPr>
+          <p:cNvPr id="3" name="Shape 0">
+            <a:extLst>
+              <a:ext uri="{FF2B5EF4-FFF2-40B4-BE49-F238E27FC236}">
+                <a16:creationId xmlns:a16="http://schemas.microsoft.com/office/drawing/2014/main" id="{CCF99D84-ABB1-7F79-6EB5-BC7C53CFBDF8}"/>
+              </a:ext>
+            </a:extLst>
+          </p:cNvPr>
+          <p:cNvSpPr>
+            <a:spLocks/>
+          </p:cNvSpPr>
+          <p:nvPr/>
+        </p:nvSpPr>
+        <p:spPr>
+          <a:xfrm>
+            <a:off x="1" y="0"/>
+            <a:ext cx="12192000" cy="6858000"/>
+          </a:xfrm>
+          <a:prstGeom prst="roundRect">
+            <a:avLst>
+              <a:gd name="adj" fmla="val -40000"/>
+            </a:avLst>
+          </a:prstGeom>
+          <a:gradFill>
+            <a:gsLst>
+              <a:gs pos="100000">
+                <a:schemeClr val="accent1">
+                  <a:lumMod val="60000"/>
+                  <a:lumOff val="40000"/>
+                </a:schemeClr>
+              </a:gs>
+              <a:gs pos="0">
+                <a:schemeClr val="accent1">
+                  <a:lumMod val="50000"/>
+                </a:schemeClr>
+              </a:gs>
+              <a:gs pos="54000">
+                <a:schemeClr val="accent1">
+                  <a:lumMod val="75000"/>
+                </a:schemeClr>
+              </a:gs>
+            </a:gsLst>
+            <a:lin ang="2700000"/>
+          </a:gradFill>
+          <a:ln/>
+        </p:spPr>
+        <p:txBody>
+          <a:bodyPr/>
+          <a:lstStyle/>
+          <a:p>
+            <a:endParaRPr lang="en-GB" sz="2400" dirty="0"/>
+          </a:p>
+        </p:txBody>
+      </p:sp>
+      <p:sp>
+        <p:nvSpPr>
+          <p:cNvPr id="4" name="Text 1"/>
+          <p:cNvSpPr/>
+          <p:nvPr/>
+        </p:nvSpPr>
+        <p:spPr>
+          <a:xfrm>
+            <a:off x="634999" y="1615470"/>
+            <a:ext cx="7823943" cy="3093492"/>
+          </a:xfrm>
+          <a:prstGeom prst="rect">
+            <a:avLst/>
+          </a:prstGeom>
+          <a:noFill/>
+          <a:ln/>
+        </p:spPr>
+        <p:txBody>
+          <a:bodyPr wrap="square" lIns="0" tIns="0" rIns="0" bIns="0" rtlCol="0" anchor="b"/>
+          <a:lstStyle/>
+          <a:p>
+            <a:pPr marL="457189" indent="-457189">
+              <a:lnSpc>
+                <a:spcPts val="4320"/>
+              </a:lnSpc>
+              <a:buFont typeface="+mj-lt"/>
+              <a:buAutoNum type="arabicPeriod"/>
+            </a:pPr>
+            <a:endParaRPr lang="de-DE" sz="2400" b="1" kern="0" spc="-16" dirty="0">
+              <a:solidFill>
+                <a:schemeClr val="bg1"/>
+              </a:solidFill>
+              <a:latin typeface="DM Sans" pitchFamily="34" charset="0"/>
+            </a:endParaRPr>
+          </a:p>
+        </p:txBody>
+      </p:sp>
+      <p:sp>
+        <p:nvSpPr>
+          <p:cNvPr id="7" name="Text 3"/>
+          <p:cNvSpPr/>
+          <p:nvPr/>
+        </p:nvSpPr>
+        <p:spPr>
+          <a:xfrm>
+            <a:off x="635000" y="633837"/>
+            <a:ext cx="6858000" cy="222251"/>
+          </a:xfrm>
+          <a:prstGeom prst="rect">
+            <a:avLst/>
+          </a:prstGeom>
+          <a:noFill/>
+          <a:ln/>
+        </p:spPr>
+        <p:txBody>
+          <a:bodyPr wrap="square" lIns="0" tIns="0" rIns="0" bIns="0" rtlCol="0" anchor="b"/>
+          <a:lstStyle/>
+          <a:p>
+            <a:pPr>
+              <a:lnSpc>
+                <a:spcPts val="1751"/>
+              </a:lnSpc>
+            </a:pPr>
+            <a:r>
+              <a:rPr lang="de-DE" sz="1867" b="1" kern="0" spc="-16" dirty="0">
+                <a:solidFill>
+                  <a:schemeClr val="bg1"/>
+                </a:solidFill>
+                <a:latin typeface="DM Sans" pitchFamily="34" charset="0"/>
+              </a:rPr>
+              <a:t>Agenda</a:t>
+            </a:r>
+            <a:r>
+              <a:rPr lang="en-US" sz="1467" b="1" kern="0" spc="160" dirty="0">
+                <a:solidFill>
+                  <a:schemeClr val="bg1"/>
+                </a:solidFill>
+                <a:latin typeface="DM Sans" pitchFamily="34" charset="0"/>
+                <a:ea typeface="DM Sans" pitchFamily="34" charset="-122"/>
+                <a:cs typeface="DM Sans" pitchFamily="34" charset="-120"/>
+              </a:rPr>
+              <a:t>:</a:t>
+            </a:r>
+            <a:endParaRPr lang="en-US" sz="1400" dirty="0">
+              <a:solidFill>
+                <a:schemeClr val="bg1"/>
+              </a:solidFill>
+            </a:endParaRPr>
+          </a:p>
+        </p:txBody>
+      </p:sp>
+      <p:sp>
+        <p:nvSpPr>
+          <p:cNvPr id="11" name="Textfeld 10">
+            <a:extLst>
+              <a:ext uri="{FF2B5EF4-FFF2-40B4-BE49-F238E27FC236}">
+                <a16:creationId xmlns:a16="http://schemas.microsoft.com/office/drawing/2014/main" id="{F8B39142-9F8A-B925-A93E-9031176DB4F2}"/>
+              </a:ext>
+            </a:extLst>
+          </p:cNvPr>
+          <p:cNvSpPr txBox="1"/>
+          <p:nvPr/>
+        </p:nvSpPr>
+        <p:spPr>
+          <a:xfrm>
+            <a:off x="11982569" y="6176990"/>
+            <a:ext cx="379895" cy="621453"/>
+          </a:xfrm>
+          <a:prstGeom prst="rect">
+            <a:avLst/>
+          </a:prstGeom>
+          <a:noFill/>
+          <a:ln/>
+        </p:spPr>
+        <p:txBody>
+          <a:bodyPr wrap="square" lIns="0" tIns="0" rIns="0" bIns="0" rtlCol="0" anchor="b"/>
+          <a:lstStyle>
+            <a:lvl1pPr marL="342900" indent="-342900">
+              <a:lnSpc>
+                <a:spcPts val="3240"/>
+              </a:lnSpc>
+              <a:buFont typeface="+mj-lt"/>
+              <a:buAutoNum type="arabicPeriod"/>
+              <a:defRPr b="1" kern="0" spc="-12">
+                <a:solidFill>
+                  <a:srgbClr val="0D0451"/>
+                </a:solidFill>
+                <a:latin typeface="DM Sans" pitchFamily="34" charset="0"/>
+              </a:defRPr>
+            </a:lvl1pPr>
+          </a:lstStyle>
+          <a:p>
+            <a:pPr marL="0" indent="0">
+              <a:buNone/>
+            </a:pPr>
+            <a:r>
+              <a:rPr lang="de-DE" sz="1867" dirty="0"/>
+              <a:t>2</a:t>
+            </a:r>
+          </a:p>
+        </p:txBody>
+      </p:sp>
+    </p:spTree>
   </p:cSld>
   <p:clrMapOvr>
     <a:masterClrMapping/>
@@ -3697,4 +4897,319 @@
     </a:ext>
   </a:extLst>
 </a:theme>
+</file>
+
+<file path=ppt/theme/theme2.xml><?xml version="1.0" encoding="utf-8"?>
+<a:theme xmlns:a="http://schemas.openxmlformats.org/drawingml/2006/main" name="Office">
+  <a:themeElements>
+    <a:clrScheme name="Office">
+      <a:dk1>
+        <a:sysClr val="windowText" lastClr="000000"/>
+      </a:dk1>
+      <a:lt1>
+        <a:sysClr val="window" lastClr="FFFFFF"/>
+      </a:lt1>
+      <a:dk2>
+        <a:srgbClr val="0E2841"/>
+      </a:dk2>
+      <a:lt2>
+        <a:srgbClr val="E8E8E8"/>
+      </a:lt2>
+      <a:accent1>
+        <a:srgbClr val="156082"/>
+      </a:accent1>
+      <a:accent2>
+        <a:srgbClr val="E97132"/>
+      </a:accent2>
+      <a:accent3>
+        <a:srgbClr val="196B24"/>
+      </a:accent3>
+      <a:accent4>
+        <a:srgbClr val="0F9ED5"/>
+      </a:accent4>
+      <a:accent5>
+        <a:srgbClr val="A02B93"/>
+      </a:accent5>
+      <a:accent6>
+        <a:srgbClr val="4EA72E"/>
+      </a:accent6>
+      <a:hlink>
+        <a:srgbClr val="467886"/>
+      </a:hlink>
+      <a:folHlink>
+        <a:srgbClr val="96607D"/>
+      </a:folHlink>
+    </a:clrScheme>
+    <a:fontScheme name="Office">
+      <a:majorFont>
+        <a:latin typeface="Aptos Display" panose="02110004020202020204"/>
+        <a:ea typeface=""/>
+        <a:cs typeface=""/>
+        <a:font script="Jpan" typeface="游ゴシック Light"/>
+        <a:font script="Hang" typeface="맑은 고딕"/>
+        <a:font script="Hans" typeface="等线 Light"/>
+        <a:font script="Hant" typeface="新細明體"/>
+        <a:font script="Arab" typeface="Times New Roman"/>
+        <a:font script="Hebr" typeface="Times New Roman"/>
+        <a:font script="Thai" typeface="Angsana New"/>
+        <a:font script="Ethi" typeface="Nyala"/>
+        <a:font script="Beng" typeface="Vrinda"/>
+        <a:font script="Gujr" typeface="Shruti"/>
+        <a:font script="Khmr" typeface="MoolBoran"/>
+        <a:font script="Knda" typeface="Tunga"/>
+        <a:font script="Guru" typeface="Raavi"/>
+        <a:font script="Cans" typeface="Euphemia"/>
+        <a:font script="Cher" typeface="Plantagenet Cherokee"/>
+        <a:font script="Yiii" typeface="Microsoft Yi Baiti"/>
+        <a:font script="Tibt" typeface="Microsoft Himalaya"/>
+        <a:font script="Thaa" typeface="MV Boli"/>
+        <a:font script="Deva" typeface="Mangal"/>
+        <a:font script="Telu" typeface="Gautami"/>
+        <a:font script="Taml" typeface="Latha"/>
+        <a:font script="Syrc" typeface="Estrangelo Edessa"/>
+        <a:font script="Orya" typeface="Kalinga"/>
+        <a:font script="Mlym" typeface="Kartika"/>
+        <a:font script="Laoo" typeface="DokChampa"/>
+        <a:font script="Sinh" typeface="Iskoola Pota"/>
+        <a:font script="Mong" typeface="Mongolian Baiti"/>
+        <a:font script="Viet" typeface="Times New Roman"/>
+        <a:font script="Uigh" typeface="Microsoft Uighur"/>
+        <a:font script="Geor" typeface="Sylfaen"/>
+        <a:font script="Armn" typeface="Arial"/>
+        <a:font script="Bugi" typeface="Leelawadee UI"/>
+        <a:font script="Bopo" typeface="Microsoft JhengHei"/>
+        <a:font script="Java" typeface="Javanese Text"/>
+        <a:font script="Lisu" typeface="Segoe UI"/>
+        <a:font script="Mymr" typeface="Myanmar Text"/>
+        <a:font script="Nkoo" typeface="Ebrima"/>
+        <a:font script="Olck" typeface="Nirmala UI"/>
+        <a:font script="Osma" typeface="Ebrima"/>
+        <a:font script="Phag" typeface="Phagspa"/>
+        <a:font script="Syrn" typeface="Estrangelo Edessa"/>
+        <a:font script="Syrj" typeface="Estrangelo Edessa"/>
+        <a:font script="Syre" typeface="Estrangelo Edessa"/>
+        <a:font script="Sora" typeface="Nirmala UI"/>
+        <a:font script="Tale" typeface="Microsoft Tai Le"/>
+        <a:font script="Talu" typeface="Microsoft New Tai Lue"/>
+        <a:font script="Tfng" typeface="Ebrima"/>
+      </a:majorFont>
+      <a:minorFont>
+        <a:latin typeface="Aptos" panose="02110004020202020204"/>
+        <a:ea typeface=""/>
+        <a:cs typeface=""/>
+        <a:font script="Jpan" typeface="游ゴシック"/>
+        <a:font script="Hang" typeface="맑은 고딕"/>
+        <a:font script="Hans" typeface="等线"/>
+        <a:font script="Hant" typeface="新細明體"/>
+        <a:font script="Arab" typeface="Arial"/>
+        <a:font script="Hebr" typeface="Arial"/>
+        <a:font script="Thai" typeface="Cordia New"/>
+        <a:font script="Ethi" typeface="Nyala"/>
+        <a:font script="Beng" typeface="Vrinda"/>
+        <a:font script="Gujr" typeface="Shruti"/>
+        <a:font script="Khmr" typeface="DaunPenh"/>
+        <a:font script="Knda" typeface="Tunga"/>
+        <a:font script="Guru" typeface="Raavi"/>
+        <a:font script="Cans" typeface="Euphemia"/>
+        <a:font script="Cher" typeface="Plantagenet Cherokee"/>
+        <a:font script="Yiii" typeface="Microsoft Yi Baiti"/>
+        <a:font script="Tibt" typeface="Microsoft Himalaya"/>
+        <a:font script="Thaa" typeface="MV Boli"/>
+        <a:font script="Deva" typeface="Mangal"/>
+        <a:font script="Telu" typeface="Gautami"/>
+        <a:font script="Taml" typeface="Latha"/>
+        <a:font script="Syrc" typeface="Estrangelo Edessa"/>
+        <a:font script="Orya" typeface="Kalinga"/>
+        <a:font script="Mlym" typeface="Kartika"/>
+        <a:font script="Laoo" typeface="DokChampa"/>
+        <a:font script="Sinh" typeface="Iskoola Pota"/>
+        <a:font script="Mong" typeface="Mongolian Baiti"/>
+        <a:font script="Viet" typeface="Arial"/>
+        <a:font script="Uigh" typeface="Microsoft Uighur"/>
+        <a:font script="Geor" typeface="Sylfaen"/>
+        <a:font script="Armn" typeface="Arial"/>
+        <a:font script="Bugi" typeface="Leelawadee UI"/>
+        <a:font script="Bopo" typeface="Microsoft JhengHei"/>
+        <a:font script="Java" typeface="Javanese Text"/>
+        <a:font script="Lisu" typeface="Segoe UI"/>
+        <a:font script="Mymr" typeface="Myanmar Text"/>
+        <a:font script="Nkoo" typeface="Ebrima"/>
+        <a:font script="Olck" typeface="Nirmala UI"/>
+        <a:font script="Osma" typeface="Ebrima"/>
+        <a:font script="Phag" typeface="Phagspa"/>
+        <a:font script="Syrn" typeface="Estrangelo Edessa"/>
+        <a:font script="Syrj" typeface="Estrangelo Edessa"/>
+        <a:font script="Syre" typeface="Estrangelo Edessa"/>
+        <a:font script="Sora" typeface="Nirmala UI"/>
+        <a:font script="Tale" typeface="Microsoft Tai Le"/>
+        <a:font script="Talu" typeface="Microsoft New Tai Lue"/>
+        <a:font script="Tfng" typeface="Ebrima"/>
+      </a:minorFont>
+    </a:fontScheme>
+    <a:fmtScheme name="Office">
+      <a:fillStyleLst>
+        <a:solidFill>
+          <a:schemeClr val="phClr"/>
+        </a:solidFill>
+        <a:gradFill rotWithShape="1">
+          <a:gsLst>
+            <a:gs pos="0">
+              <a:schemeClr val="phClr">
+                <a:lumMod val="110000"/>
+                <a:satMod val="105000"/>
+                <a:tint val="67000"/>
+              </a:schemeClr>
+            </a:gs>
+            <a:gs pos="50000">
+              <a:schemeClr val="phClr">
+                <a:lumMod val="105000"/>
+                <a:satMod val="103000"/>
+                <a:tint val="73000"/>
+              </a:schemeClr>
+            </a:gs>
+            <a:gs pos="100000">
+              <a:schemeClr val="phClr">
+                <a:lumMod val="105000"/>
+                <a:satMod val="109000"/>
+                <a:tint val="81000"/>
+              </a:schemeClr>
+            </a:gs>
+          </a:gsLst>
+          <a:lin ang="5400000" scaled="0"/>
+        </a:gradFill>
+        <a:gradFill rotWithShape="1">
+          <a:gsLst>
+            <a:gs pos="0">
+              <a:schemeClr val="phClr">
+                <a:satMod val="103000"/>
+                <a:lumMod val="102000"/>
+                <a:tint val="94000"/>
+              </a:schemeClr>
+            </a:gs>
+            <a:gs pos="50000">
+              <a:schemeClr val="phClr">
+                <a:satMod val="110000"/>
+                <a:lumMod val="100000"/>
+                <a:shade val="100000"/>
+              </a:schemeClr>
+            </a:gs>
+            <a:gs pos="100000">
+              <a:schemeClr val="phClr">
+                <a:lumMod val="99000"/>
+                <a:satMod val="120000"/>
+                <a:shade val="78000"/>
+              </a:schemeClr>
+            </a:gs>
+          </a:gsLst>
+          <a:lin ang="5400000" scaled="0"/>
+        </a:gradFill>
+      </a:fillStyleLst>
+      <a:lnStyleLst>
+        <a:ln w="12700" cap="flat" cmpd="sng" algn="ctr">
+          <a:solidFill>
+            <a:schemeClr val="phClr"/>
+          </a:solidFill>
+          <a:prstDash val="solid"/>
+          <a:miter lim="800000"/>
+        </a:ln>
+        <a:ln w="19050" cap="flat" cmpd="sng" algn="ctr">
+          <a:solidFill>
+            <a:schemeClr val="phClr"/>
+          </a:solidFill>
+          <a:prstDash val="solid"/>
+          <a:miter lim="800000"/>
+        </a:ln>
+        <a:ln w="25400" cap="flat" cmpd="sng" algn="ctr">
+          <a:solidFill>
+            <a:schemeClr val="phClr"/>
+          </a:solidFill>
+          <a:prstDash val="solid"/>
+          <a:miter lim="800000"/>
+        </a:ln>
+      </a:lnStyleLst>
+      <a:effectStyleLst>
+        <a:effectStyle>
+          <a:effectLst/>
+        </a:effectStyle>
+        <a:effectStyle>
+          <a:effectLst/>
+        </a:effectStyle>
+        <a:effectStyle>
+          <a:effectLst>
+            <a:outerShdw blurRad="57150" dist="19050" dir="5400000" algn="ctr" rotWithShape="0">
+              <a:srgbClr val="000000">
+                <a:alpha val="63000"/>
+              </a:srgbClr>
+            </a:outerShdw>
+          </a:effectLst>
+        </a:effectStyle>
+      </a:effectStyleLst>
+      <a:bgFillStyleLst>
+        <a:solidFill>
+          <a:schemeClr val="phClr"/>
+        </a:solidFill>
+        <a:solidFill>
+          <a:schemeClr val="phClr">
+            <a:tint val="95000"/>
+            <a:satMod val="170000"/>
+          </a:schemeClr>
+        </a:solidFill>
+        <a:gradFill rotWithShape="1">
+          <a:gsLst>
+            <a:gs pos="0">
+              <a:schemeClr val="phClr">
+                <a:tint val="93000"/>
+                <a:satMod val="150000"/>
+                <a:shade val="98000"/>
+                <a:lumMod val="102000"/>
+              </a:schemeClr>
+            </a:gs>
+            <a:gs pos="50000">
+              <a:schemeClr val="phClr">
+                <a:tint val="98000"/>
+                <a:satMod val="130000"/>
+                <a:shade val="90000"/>
+                <a:lumMod val="103000"/>
+              </a:schemeClr>
+            </a:gs>
+            <a:gs pos="100000">
+              <a:schemeClr val="phClr">
+                <a:shade val="63000"/>
+                <a:satMod val="120000"/>
+              </a:schemeClr>
+            </a:gs>
+          </a:gsLst>
+          <a:lin ang="5400000" scaled="0"/>
+        </a:gradFill>
+      </a:bgFillStyleLst>
+    </a:fmtScheme>
+  </a:themeElements>
+  <a:objectDefaults>
+    <a:lnDef>
+      <a:spPr/>
+      <a:bodyPr/>
+      <a:lstStyle/>
+      <a:style>
+        <a:lnRef idx="2">
+          <a:schemeClr val="accent1"/>
+        </a:lnRef>
+        <a:fillRef idx="0">
+          <a:schemeClr val="accent1"/>
+        </a:fillRef>
+        <a:effectRef idx="1">
+          <a:schemeClr val="accent1"/>
+        </a:effectRef>
+        <a:fontRef idx="minor">
+          <a:schemeClr val="tx1"/>
+        </a:fontRef>
+      </a:style>
+    </a:lnDef>
+  </a:objectDefaults>
+  <a:extraClrSchemeLst/>
+  <a:extLst>
+    <a:ext uri="{05A4C25C-085E-4340-85A3-A5531E510DB2}">
+      <thm15:themeFamily xmlns:thm15="http://schemas.microsoft.com/office/thememl/2012/main" name="Office Theme" id="{2E142A2C-CD16-42D6-873A-C26D2A0506FA}" vid="{1BDDFF52-6CD6-40A5-AB3C-68EB2F1E4D0A}"/>
+    </a:ext>
+  </a:extLst>
+</a:theme>
 </file>
--- a/fabian/presentation_tumai_group2.pptx
+++ b/fabian/presentation_tumai_group2.pptx
@@ -5,11 +5,14 @@
     <p:sldMasterId id="2147483648" r:id="rId1"/>
   </p:sldMasterIdLst>
   <p:notesMasterIdLst>
-    <p:notesMasterId r:id="rId4"/>
+    <p:notesMasterId r:id="rId7"/>
   </p:notesMasterIdLst>
   <p:sldIdLst>
     <p:sldId id="257" r:id="rId2"/>
     <p:sldId id="258" r:id="rId3"/>
+    <p:sldId id="259" r:id="rId4"/>
+    <p:sldId id="260" r:id="rId5"/>
+    <p:sldId id="261" r:id="rId6"/>
   </p:sldIdLst>
   <p:sldSz cx="12192000" cy="6858000"/>
   <p:notesSz cx="6858000" cy="9144000"/>
@@ -624,6 +627,330 @@
     <p:extLst>
       <p:ext uri="{BB962C8B-B14F-4D97-AF65-F5344CB8AC3E}">
         <p14:creationId xmlns:p14="http://schemas.microsoft.com/office/powerpoint/2010/main" val="1024086991"/>
+      </p:ext>
+    </p:extLst>
+  </p:cSld>
+  <p:clrMapOvr>
+    <a:masterClrMapping/>
+  </p:clrMapOvr>
+</p:notes>
+</file>
+
+<file path=ppt/notesSlides/notesSlide3.xml><?xml version="1.0" encoding="utf-8"?>
+<p:notes xmlns:a="http://schemas.openxmlformats.org/drawingml/2006/main" xmlns:r="http://schemas.openxmlformats.org/officeDocument/2006/relationships" xmlns:p="http://schemas.openxmlformats.org/presentationml/2006/main">
+  <p:cSld>
+    <p:spTree>
+      <p:nvGrpSpPr>
+        <p:cNvPr id="1" name="">
+          <a:extLst>
+            <a:ext uri="{FF2B5EF4-FFF2-40B4-BE49-F238E27FC236}">
+              <a16:creationId xmlns:a16="http://schemas.microsoft.com/office/drawing/2014/main" id="{473D900E-11DC-8228-AF4D-BD2AFBFA543D}"/>
+            </a:ext>
+          </a:extLst>
+        </p:cNvPr>
+        <p:cNvGrpSpPr/>
+        <p:nvPr/>
+      </p:nvGrpSpPr>
+      <p:grpSpPr>
+        <a:xfrm>
+          <a:off x="0" y="0"/>
+          <a:ext cx="0" cy="0"/>
+          <a:chOff x="0" y="0"/>
+          <a:chExt cx="0" cy="0"/>
+        </a:xfrm>
+      </p:grpSpPr>
+      <p:sp>
+        <p:nvSpPr>
+          <p:cNvPr id="2" name="Slide Image Placeholder 1">
+            <a:extLst>
+              <a:ext uri="{FF2B5EF4-FFF2-40B4-BE49-F238E27FC236}">
+                <a16:creationId xmlns:a16="http://schemas.microsoft.com/office/drawing/2014/main" id="{2CEB4261-CFA0-3DF6-6E1A-D917E770C5D7}"/>
+              </a:ext>
+            </a:extLst>
+          </p:cNvPr>
+          <p:cNvSpPr>
+            <a:spLocks noGrp="1" noRot="1" noChangeAspect="1"/>
+          </p:cNvSpPr>
+          <p:nvPr>
+            <p:ph type="sldImg"/>
+          </p:nvPr>
+        </p:nvSpPr>
+        <p:spPr/>
+      </p:sp>
+      <p:sp>
+        <p:nvSpPr>
+          <p:cNvPr id="3" name="Notes Placeholder 2">
+            <a:extLst>
+              <a:ext uri="{FF2B5EF4-FFF2-40B4-BE49-F238E27FC236}">
+                <a16:creationId xmlns:a16="http://schemas.microsoft.com/office/drawing/2014/main" id="{BA91F0CA-94F6-F247-654B-018E7908DC8B}"/>
+              </a:ext>
+            </a:extLst>
+          </p:cNvPr>
+          <p:cNvSpPr>
+            <a:spLocks noGrp="1"/>
+          </p:cNvSpPr>
+          <p:nvPr>
+            <p:ph type="body" idx="1"/>
+          </p:nvPr>
+        </p:nvSpPr>
+        <p:spPr/>
+        <p:txBody>
+          <a:bodyPr/>
+          <a:lstStyle/>
+          <a:p>
+            <a:endParaRPr lang="en-US" dirty="0"/>
+          </a:p>
+        </p:txBody>
+      </p:sp>
+      <p:sp>
+        <p:nvSpPr>
+          <p:cNvPr id="4" name="Slide Number Placeholder 3">
+            <a:extLst>
+              <a:ext uri="{FF2B5EF4-FFF2-40B4-BE49-F238E27FC236}">
+                <a16:creationId xmlns:a16="http://schemas.microsoft.com/office/drawing/2014/main" id="{CE270990-B50D-0534-E166-2EE9E931AED3}"/>
+              </a:ext>
+            </a:extLst>
+          </p:cNvPr>
+          <p:cNvSpPr>
+            <a:spLocks noGrp="1"/>
+          </p:cNvSpPr>
+          <p:nvPr>
+            <p:ph type="sldNum" sz="quarter" idx="10"/>
+          </p:nvPr>
+        </p:nvSpPr>
+        <p:spPr/>
+        <p:txBody>
+          <a:bodyPr/>
+          <a:lstStyle/>
+          <a:p>
+            <a:fld id="{F7021451-1387-4CA6-816F-3879F97B5CBC}" type="slidenum">
+              <a:rPr lang="en-US"/>
+              <a:t>3</a:t>
+            </a:fld>
+            <a:endParaRPr lang="en-US" dirty="0"/>
+          </a:p>
+        </p:txBody>
+      </p:sp>
+    </p:spTree>
+    <p:extLst>
+      <p:ext uri="{BB962C8B-B14F-4D97-AF65-F5344CB8AC3E}">
+        <p14:creationId xmlns:p14="http://schemas.microsoft.com/office/powerpoint/2010/main" val="3412118958"/>
+      </p:ext>
+    </p:extLst>
+  </p:cSld>
+  <p:clrMapOvr>
+    <a:masterClrMapping/>
+  </p:clrMapOvr>
+</p:notes>
+</file>
+
+<file path=ppt/notesSlides/notesSlide4.xml><?xml version="1.0" encoding="utf-8"?>
+<p:notes xmlns:a="http://schemas.openxmlformats.org/drawingml/2006/main" xmlns:r="http://schemas.openxmlformats.org/officeDocument/2006/relationships" xmlns:p="http://schemas.openxmlformats.org/presentationml/2006/main">
+  <p:cSld>
+    <p:spTree>
+      <p:nvGrpSpPr>
+        <p:cNvPr id="1" name="">
+          <a:extLst>
+            <a:ext uri="{FF2B5EF4-FFF2-40B4-BE49-F238E27FC236}">
+              <a16:creationId xmlns:a16="http://schemas.microsoft.com/office/drawing/2014/main" id="{A2462E78-DD76-450F-841A-E4ABBDFEF22C}"/>
+            </a:ext>
+          </a:extLst>
+        </p:cNvPr>
+        <p:cNvGrpSpPr/>
+        <p:nvPr/>
+      </p:nvGrpSpPr>
+      <p:grpSpPr>
+        <a:xfrm>
+          <a:off x="0" y="0"/>
+          <a:ext cx="0" cy="0"/>
+          <a:chOff x="0" y="0"/>
+          <a:chExt cx="0" cy="0"/>
+        </a:xfrm>
+      </p:grpSpPr>
+      <p:sp>
+        <p:nvSpPr>
+          <p:cNvPr id="2" name="Slide Image Placeholder 1">
+            <a:extLst>
+              <a:ext uri="{FF2B5EF4-FFF2-40B4-BE49-F238E27FC236}">
+                <a16:creationId xmlns:a16="http://schemas.microsoft.com/office/drawing/2014/main" id="{A672D045-5F15-14A7-2961-8FE612F8A0DD}"/>
+              </a:ext>
+            </a:extLst>
+          </p:cNvPr>
+          <p:cNvSpPr>
+            <a:spLocks noGrp="1" noRot="1" noChangeAspect="1"/>
+          </p:cNvSpPr>
+          <p:nvPr>
+            <p:ph type="sldImg"/>
+          </p:nvPr>
+        </p:nvSpPr>
+        <p:spPr/>
+      </p:sp>
+      <p:sp>
+        <p:nvSpPr>
+          <p:cNvPr id="3" name="Notes Placeholder 2">
+            <a:extLst>
+              <a:ext uri="{FF2B5EF4-FFF2-40B4-BE49-F238E27FC236}">
+                <a16:creationId xmlns:a16="http://schemas.microsoft.com/office/drawing/2014/main" id="{13206EBA-8451-64C2-FE96-D82ED030E436}"/>
+              </a:ext>
+            </a:extLst>
+          </p:cNvPr>
+          <p:cNvSpPr>
+            <a:spLocks noGrp="1"/>
+          </p:cNvSpPr>
+          <p:nvPr>
+            <p:ph type="body" idx="1"/>
+          </p:nvPr>
+        </p:nvSpPr>
+        <p:spPr/>
+        <p:txBody>
+          <a:bodyPr/>
+          <a:lstStyle/>
+          <a:p>
+            <a:endParaRPr lang="en-US" dirty="0"/>
+          </a:p>
+        </p:txBody>
+      </p:sp>
+      <p:sp>
+        <p:nvSpPr>
+          <p:cNvPr id="4" name="Slide Number Placeholder 3">
+            <a:extLst>
+              <a:ext uri="{FF2B5EF4-FFF2-40B4-BE49-F238E27FC236}">
+                <a16:creationId xmlns:a16="http://schemas.microsoft.com/office/drawing/2014/main" id="{BF5BF777-685A-D6CB-1E1A-3714450D2703}"/>
+              </a:ext>
+            </a:extLst>
+          </p:cNvPr>
+          <p:cNvSpPr>
+            <a:spLocks noGrp="1"/>
+          </p:cNvSpPr>
+          <p:nvPr>
+            <p:ph type="sldNum" sz="quarter" idx="10"/>
+          </p:nvPr>
+        </p:nvSpPr>
+        <p:spPr/>
+        <p:txBody>
+          <a:bodyPr/>
+          <a:lstStyle/>
+          <a:p>
+            <a:fld id="{F7021451-1387-4CA6-816F-3879F97B5CBC}" type="slidenum">
+              <a:rPr lang="en-US"/>
+              <a:t>4</a:t>
+            </a:fld>
+            <a:endParaRPr lang="en-US" dirty="0"/>
+          </a:p>
+        </p:txBody>
+      </p:sp>
+    </p:spTree>
+    <p:extLst>
+      <p:ext uri="{BB962C8B-B14F-4D97-AF65-F5344CB8AC3E}">
+        <p14:creationId xmlns:p14="http://schemas.microsoft.com/office/powerpoint/2010/main" val="2202575021"/>
+      </p:ext>
+    </p:extLst>
+  </p:cSld>
+  <p:clrMapOvr>
+    <a:masterClrMapping/>
+  </p:clrMapOvr>
+</p:notes>
+</file>
+
+<file path=ppt/notesSlides/notesSlide5.xml><?xml version="1.0" encoding="utf-8"?>
+<p:notes xmlns:a="http://schemas.openxmlformats.org/drawingml/2006/main" xmlns:r="http://schemas.openxmlformats.org/officeDocument/2006/relationships" xmlns:p="http://schemas.openxmlformats.org/presentationml/2006/main">
+  <p:cSld>
+    <p:spTree>
+      <p:nvGrpSpPr>
+        <p:cNvPr id="1" name="">
+          <a:extLst>
+            <a:ext uri="{FF2B5EF4-FFF2-40B4-BE49-F238E27FC236}">
+              <a16:creationId xmlns:a16="http://schemas.microsoft.com/office/drawing/2014/main" id="{8D83F19F-ACAF-BCBA-A475-03F69A7E7FA4}"/>
+            </a:ext>
+          </a:extLst>
+        </p:cNvPr>
+        <p:cNvGrpSpPr/>
+        <p:nvPr/>
+      </p:nvGrpSpPr>
+      <p:grpSpPr>
+        <a:xfrm>
+          <a:off x="0" y="0"/>
+          <a:ext cx="0" cy="0"/>
+          <a:chOff x="0" y="0"/>
+          <a:chExt cx="0" cy="0"/>
+        </a:xfrm>
+      </p:grpSpPr>
+      <p:sp>
+        <p:nvSpPr>
+          <p:cNvPr id="2" name="Slide Image Placeholder 1">
+            <a:extLst>
+              <a:ext uri="{FF2B5EF4-FFF2-40B4-BE49-F238E27FC236}">
+                <a16:creationId xmlns:a16="http://schemas.microsoft.com/office/drawing/2014/main" id="{7CEBEAFC-CDA5-C298-46E4-C6EA1AFF8DDA}"/>
+              </a:ext>
+            </a:extLst>
+          </p:cNvPr>
+          <p:cNvSpPr>
+            <a:spLocks noGrp="1" noRot="1" noChangeAspect="1"/>
+          </p:cNvSpPr>
+          <p:nvPr>
+            <p:ph type="sldImg"/>
+          </p:nvPr>
+        </p:nvSpPr>
+        <p:spPr/>
+      </p:sp>
+      <p:sp>
+        <p:nvSpPr>
+          <p:cNvPr id="3" name="Notes Placeholder 2">
+            <a:extLst>
+              <a:ext uri="{FF2B5EF4-FFF2-40B4-BE49-F238E27FC236}">
+                <a16:creationId xmlns:a16="http://schemas.microsoft.com/office/drawing/2014/main" id="{98ED3CA5-B6FB-0FE4-A1DB-643C0C66BFD7}"/>
+              </a:ext>
+            </a:extLst>
+          </p:cNvPr>
+          <p:cNvSpPr>
+            <a:spLocks noGrp="1"/>
+          </p:cNvSpPr>
+          <p:nvPr>
+            <p:ph type="body" idx="1"/>
+          </p:nvPr>
+        </p:nvSpPr>
+        <p:spPr/>
+        <p:txBody>
+          <a:bodyPr/>
+          <a:lstStyle/>
+          <a:p>
+            <a:endParaRPr lang="en-US" dirty="0"/>
+          </a:p>
+        </p:txBody>
+      </p:sp>
+      <p:sp>
+        <p:nvSpPr>
+          <p:cNvPr id="4" name="Slide Number Placeholder 3">
+            <a:extLst>
+              <a:ext uri="{FF2B5EF4-FFF2-40B4-BE49-F238E27FC236}">
+                <a16:creationId xmlns:a16="http://schemas.microsoft.com/office/drawing/2014/main" id="{50DA578E-D56D-AE0F-0C35-2B198B579321}"/>
+              </a:ext>
+            </a:extLst>
+          </p:cNvPr>
+          <p:cNvSpPr>
+            <a:spLocks noGrp="1"/>
+          </p:cNvSpPr>
+          <p:nvPr>
+            <p:ph type="sldNum" sz="quarter" idx="10"/>
+          </p:nvPr>
+        </p:nvSpPr>
+        <p:spPr/>
+        <p:txBody>
+          <a:bodyPr/>
+          <a:lstStyle/>
+          <a:p>
+            <a:fld id="{F7021451-1387-4CA6-816F-3879F97B5CBC}" type="slidenum">
+              <a:rPr lang="en-US"/>
+              <a:t>5</a:t>
+            </a:fld>
+            <a:endParaRPr lang="en-US" dirty="0"/>
+          </a:p>
+        </p:txBody>
+      </p:sp>
+    </p:spTree>
+    <p:extLst>
+      <p:ext uri="{BB962C8B-B14F-4D97-AF65-F5344CB8AC3E}">
+        <p14:creationId xmlns:p14="http://schemas.microsoft.com/office/powerpoint/2010/main" val="135318623"/>
       </p:ext>
     </p:extLst>
   </p:cSld>
@@ -4202,7 +4529,7 @@
         <p:spPr>
           <a:xfrm>
             <a:off x="747775" y="2962241"/>
-            <a:ext cx="6250750" cy="461665"/>
+            <a:ext cx="6023380" cy="461665"/>
           </a:xfrm>
           <a:prstGeom prst="rect">
             <a:avLst/>
@@ -4233,7 +4560,7 @@
             </a:r>
             <a:r>
               <a:rPr lang="en-US" sz="2400" b="1" dirty="0"/>
-              <a:t>choose</a:t>
+              <a:t>select</a:t>
             </a:r>
             <a:r>
               <a:rPr lang="de-DE" sz="2400" b="1" dirty="0"/>
@@ -4260,10 +4587,9 @@
               <a:t>invest</a:t>
             </a:r>
             <a:r>
-              <a:rPr lang="de-DE" sz="2400" b="1"/>
+              <a:rPr lang="de-DE" sz="2400" b="1" dirty="0"/>
               <a:t> in?</a:t>
             </a:r>
-            <a:endParaRPr lang="de-DE" sz="2400" b="1" dirty="0"/>
           </a:p>
         </p:txBody>
       </p:sp>
@@ -4336,8 +4662,8 @@
         </p:blipFill>
         <p:spPr bwMode="auto">
           <a:xfrm>
-            <a:off x="8755166" y="2329447"/>
-            <a:ext cx="2689058" cy="1792705"/>
+            <a:off x="8409457" y="2124626"/>
+            <a:ext cx="3303523" cy="2202348"/>
           </a:xfrm>
           <a:prstGeom prst="rect">
             <a:avLst/>
@@ -4479,7 +4805,7 @@
         </p:nvSpPr>
         <p:spPr>
           <a:xfrm>
-            <a:off x="635000" y="633837"/>
+            <a:off x="3703052" y="585484"/>
             <a:ext cx="6858000" cy="222251"/>
           </a:xfrm>
           <a:prstGeom prst="rect">
@@ -4498,24 +4824,22 @@
               </a:lnSpc>
             </a:pPr>
             <a:r>
-              <a:rPr lang="de-DE" sz="1867" b="1" kern="0" spc="-16" dirty="0">
+              <a:rPr lang="de-DE" sz="2400" b="1" kern="0" spc="-16" dirty="0">
                 <a:solidFill>
                   <a:schemeClr val="bg1"/>
                 </a:solidFill>
                 <a:latin typeface="DM Sans" pitchFamily="34" charset="0"/>
               </a:rPr>
-              <a:t>Agenda</a:t>
-            </a:r>
-            <a:r>
-              <a:rPr lang="en-US" sz="1467" b="1" kern="0" spc="160" dirty="0">
+              <a:t>Industry vs. Funding </a:t>
+            </a:r>
+            <a:r>
+              <a:rPr lang="de-DE" sz="2400" b="1" kern="0" spc="-16" dirty="0" err="1">
                 <a:solidFill>
                   <a:schemeClr val="bg1"/>
                 </a:solidFill>
                 <a:latin typeface="DM Sans" pitchFamily="34" charset="0"/>
-                <a:ea typeface="DM Sans" pitchFamily="34" charset="-122"/>
-                <a:cs typeface="DM Sans" pitchFamily="34" charset="-120"/>
               </a:rPr>
-              <a:t>:</a:t>
+              <a:t>Amount</a:t>
             </a:r>
             <a:endParaRPr lang="en-US" sz="1400" dirty="0">
               <a:solidFill>
@@ -4576,7 +4900,988 @@
           </a:p>
         </p:txBody>
       </p:sp>
+      <p:pic>
+        <p:nvPicPr>
+          <p:cNvPr id="2052" name="Picture 4" descr="TUM.ai Logo">
+            <a:extLst>
+              <a:ext uri="{FF2B5EF4-FFF2-40B4-BE49-F238E27FC236}">
+                <a16:creationId xmlns:a16="http://schemas.microsoft.com/office/drawing/2014/main" id="{AC867EDF-3778-6607-125B-64EB9769C78E}"/>
+              </a:ext>
+            </a:extLst>
+          </p:cNvPr>
+          <p:cNvPicPr>
+            <a:picLocks noChangeAspect="1" noChangeArrowheads="1"/>
+          </p:cNvPicPr>
+          <p:nvPr/>
+        </p:nvPicPr>
+        <p:blipFill>
+          <a:blip r:embed="rId3">
+            <a:extLst>
+              <a:ext uri="{28A0092B-C50C-407E-A947-70E740481C1C}">
+                <a14:useLocalDpi xmlns:a14="http://schemas.microsoft.com/office/drawing/2010/main" val="0"/>
+              </a:ext>
+            </a:extLst>
+          </a:blip>
+          <a:srcRect/>
+          <a:stretch>
+            <a:fillRect/>
+          </a:stretch>
+        </p:blipFill>
+        <p:spPr bwMode="auto">
+          <a:xfrm>
+            <a:off x="132350" y="6297305"/>
+            <a:ext cx="1431758" cy="360549"/>
+          </a:xfrm>
+          <a:prstGeom prst="rect">
+            <a:avLst/>
+          </a:prstGeom>
+          <a:noFill/>
+          <a:extLst>
+            <a:ext uri="{909E8E84-426E-40DD-AFC4-6F175D3DCCD1}">
+              <a14:hiddenFill xmlns:a14="http://schemas.microsoft.com/office/drawing/2010/main">
+                <a:solidFill>
+                  <a:srgbClr val="FFFFFF"/>
+                </a:solidFill>
+              </a14:hiddenFill>
+            </a:ext>
+          </a:extLst>
+        </p:spPr>
+      </p:pic>
     </p:spTree>
+  </p:cSld>
+  <p:clrMapOvr>
+    <a:masterClrMapping/>
+  </p:clrMapOvr>
+</p:sld>
+</file>
+
+<file path=ppt/slides/slide3.xml><?xml version="1.0" encoding="utf-8"?>
+<p:sld xmlns:a="http://schemas.openxmlformats.org/drawingml/2006/main" xmlns:r="http://schemas.openxmlformats.org/officeDocument/2006/relationships" xmlns:p="http://schemas.openxmlformats.org/presentationml/2006/main">
+  <p:cSld>
+    <p:spTree>
+      <p:nvGrpSpPr>
+        <p:cNvPr id="1" name="">
+          <a:extLst>
+            <a:ext uri="{FF2B5EF4-FFF2-40B4-BE49-F238E27FC236}">
+              <a16:creationId xmlns:a16="http://schemas.microsoft.com/office/drawing/2014/main" id="{074B114B-E86B-A023-70FE-E564777975FE}"/>
+            </a:ext>
+          </a:extLst>
+        </p:cNvPr>
+        <p:cNvGrpSpPr/>
+        <p:nvPr/>
+      </p:nvGrpSpPr>
+      <p:grpSpPr>
+        <a:xfrm>
+          <a:off x="0" y="0"/>
+          <a:ext cx="0" cy="0"/>
+          <a:chOff x="0" y="0"/>
+          <a:chExt cx="0" cy="0"/>
+        </a:xfrm>
+      </p:grpSpPr>
+      <p:sp>
+        <p:nvSpPr>
+          <p:cNvPr id="3" name="Shape 0">
+            <a:extLst>
+              <a:ext uri="{FF2B5EF4-FFF2-40B4-BE49-F238E27FC236}">
+                <a16:creationId xmlns:a16="http://schemas.microsoft.com/office/drawing/2014/main" id="{CD6A675A-32C3-D8B7-5BFE-BDD653EA8E6B}"/>
+              </a:ext>
+            </a:extLst>
+          </p:cNvPr>
+          <p:cNvSpPr>
+            <a:spLocks/>
+          </p:cNvSpPr>
+          <p:nvPr/>
+        </p:nvSpPr>
+        <p:spPr>
+          <a:xfrm>
+            <a:off x="1" y="0"/>
+            <a:ext cx="12192000" cy="6858000"/>
+          </a:xfrm>
+          <a:prstGeom prst="roundRect">
+            <a:avLst>
+              <a:gd name="adj" fmla="val -40000"/>
+            </a:avLst>
+          </a:prstGeom>
+          <a:gradFill>
+            <a:gsLst>
+              <a:gs pos="100000">
+                <a:schemeClr val="accent1">
+                  <a:lumMod val="60000"/>
+                  <a:lumOff val="40000"/>
+                </a:schemeClr>
+              </a:gs>
+              <a:gs pos="0">
+                <a:schemeClr val="accent1">
+                  <a:lumMod val="50000"/>
+                </a:schemeClr>
+              </a:gs>
+              <a:gs pos="54000">
+                <a:schemeClr val="accent1">
+                  <a:lumMod val="75000"/>
+                </a:schemeClr>
+              </a:gs>
+            </a:gsLst>
+            <a:lin ang="2700000"/>
+          </a:gradFill>
+          <a:ln/>
+        </p:spPr>
+        <p:txBody>
+          <a:bodyPr/>
+          <a:lstStyle/>
+          <a:p>
+            <a:endParaRPr lang="en-GB" sz="2400" dirty="0"/>
+          </a:p>
+        </p:txBody>
+      </p:sp>
+      <p:sp>
+        <p:nvSpPr>
+          <p:cNvPr id="4" name="Text 1">
+            <a:extLst>
+              <a:ext uri="{FF2B5EF4-FFF2-40B4-BE49-F238E27FC236}">
+                <a16:creationId xmlns:a16="http://schemas.microsoft.com/office/drawing/2014/main" id="{6DE71A25-245F-EDF6-2005-F53666573777}"/>
+              </a:ext>
+            </a:extLst>
+          </p:cNvPr>
+          <p:cNvSpPr/>
+          <p:nvPr/>
+        </p:nvSpPr>
+        <p:spPr>
+          <a:xfrm>
+            <a:off x="634999" y="1615470"/>
+            <a:ext cx="7823943" cy="3093492"/>
+          </a:xfrm>
+          <a:prstGeom prst="rect">
+            <a:avLst/>
+          </a:prstGeom>
+          <a:noFill/>
+          <a:ln/>
+        </p:spPr>
+        <p:txBody>
+          <a:bodyPr wrap="square" lIns="0" tIns="0" rIns="0" bIns="0" rtlCol="0" anchor="b"/>
+          <a:lstStyle/>
+          <a:p>
+            <a:pPr marL="457189" indent="-457189">
+              <a:lnSpc>
+                <a:spcPts val="4320"/>
+              </a:lnSpc>
+              <a:buFont typeface="+mj-lt"/>
+              <a:buAutoNum type="arabicPeriod"/>
+            </a:pPr>
+            <a:endParaRPr lang="de-DE" sz="2400" b="1" kern="0" spc="-16" dirty="0">
+              <a:solidFill>
+                <a:schemeClr val="bg1"/>
+              </a:solidFill>
+              <a:latin typeface="DM Sans" pitchFamily="34" charset="0"/>
+            </a:endParaRPr>
+          </a:p>
+        </p:txBody>
+      </p:sp>
+      <p:sp>
+        <p:nvSpPr>
+          <p:cNvPr id="7" name="Text 3">
+            <a:extLst>
+              <a:ext uri="{FF2B5EF4-FFF2-40B4-BE49-F238E27FC236}">
+                <a16:creationId xmlns:a16="http://schemas.microsoft.com/office/drawing/2014/main" id="{2A143FEF-196F-CD7F-B22C-164EEC3E27A5}"/>
+              </a:ext>
+            </a:extLst>
+          </p:cNvPr>
+          <p:cNvSpPr/>
+          <p:nvPr/>
+        </p:nvSpPr>
+        <p:spPr>
+          <a:xfrm>
+            <a:off x="3703052" y="585484"/>
+            <a:ext cx="6858000" cy="222251"/>
+          </a:xfrm>
+          <a:prstGeom prst="rect">
+            <a:avLst/>
+          </a:prstGeom>
+          <a:noFill/>
+          <a:ln/>
+        </p:spPr>
+        <p:txBody>
+          <a:bodyPr wrap="square" lIns="0" tIns="0" rIns="0" bIns="0" rtlCol="0" anchor="b"/>
+          <a:lstStyle/>
+          <a:p>
+            <a:pPr>
+              <a:lnSpc>
+                <a:spcPts val="1751"/>
+              </a:lnSpc>
+            </a:pPr>
+            <a:r>
+              <a:rPr lang="de-DE" sz="2400" b="1" kern="0" spc="-16" dirty="0">
+                <a:solidFill>
+                  <a:schemeClr val="bg1"/>
+                </a:solidFill>
+                <a:latin typeface="DM Sans" pitchFamily="34" charset="0"/>
+              </a:rPr>
+              <a:t>Batch Year vs. Funding </a:t>
+            </a:r>
+            <a:r>
+              <a:rPr lang="de-DE" sz="2400" b="1" kern="0" spc="-16" dirty="0" err="1">
+                <a:solidFill>
+                  <a:schemeClr val="bg1"/>
+                </a:solidFill>
+                <a:latin typeface="DM Sans" pitchFamily="34" charset="0"/>
+              </a:rPr>
+              <a:t>Amount</a:t>
+            </a:r>
+            <a:endParaRPr lang="de-DE" sz="2400" b="1" kern="0" spc="-16" dirty="0">
+              <a:solidFill>
+                <a:schemeClr val="bg1"/>
+              </a:solidFill>
+              <a:latin typeface="DM Sans" pitchFamily="34" charset="0"/>
+            </a:endParaRPr>
+          </a:p>
+        </p:txBody>
+      </p:sp>
+      <p:sp>
+        <p:nvSpPr>
+          <p:cNvPr id="11" name="Textfeld 10">
+            <a:extLst>
+              <a:ext uri="{FF2B5EF4-FFF2-40B4-BE49-F238E27FC236}">
+                <a16:creationId xmlns:a16="http://schemas.microsoft.com/office/drawing/2014/main" id="{44B96073-91E4-975B-3370-1B1525D52EDD}"/>
+              </a:ext>
+            </a:extLst>
+          </p:cNvPr>
+          <p:cNvSpPr txBox="1"/>
+          <p:nvPr/>
+        </p:nvSpPr>
+        <p:spPr>
+          <a:xfrm>
+            <a:off x="11982569" y="6176990"/>
+            <a:ext cx="379895" cy="621453"/>
+          </a:xfrm>
+          <a:prstGeom prst="rect">
+            <a:avLst/>
+          </a:prstGeom>
+          <a:noFill/>
+          <a:ln/>
+        </p:spPr>
+        <p:txBody>
+          <a:bodyPr wrap="square" lIns="0" tIns="0" rIns="0" bIns="0" rtlCol="0" anchor="b"/>
+          <a:lstStyle>
+            <a:lvl1pPr marL="342900" indent="-342900">
+              <a:lnSpc>
+                <a:spcPts val="3240"/>
+              </a:lnSpc>
+              <a:buFont typeface="+mj-lt"/>
+              <a:buAutoNum type="arabicPeriod"/>
+              <a:defRPr b="1" kern="0" spc="-12">
+                <a:solidFill>
+                  <a:srgbClr val="0D0451"/>
+                </a:solidFill>
+                <a:latin typeface="DM Sans" pitchFamily="34" charset="0"/>
+              </a:defRPr>
+            </a:lvl1pPr>
+          </a:lstStyle>
+          <a:p>
+            <a:pPr marL="0" indent="0">
+              <a:buNone/>
+            </a:pPr>
+            <a:r>
+              <a:rPr lang="de-DE" sz="1867" dirty="0"/>
+              <a:t>3</a:t>
+            </a:r>
+          </a:p>
+        </p:txBody>
+      </p:sp>
+      <p:pic>
+        <p:nvPicPr>
+          <p:cNvPr id="2" name="Picture 4" descr="TUM.ai Logo">
+            <a:extLst>
+              <a:ext uri="{FF2B5EF4-FFF2-40B4-BE49-F238E27FC236}">
+                <a16:creationId xmlns:a16="http://schemas.microsoft.com/office/drawing/2014/main" id="{0B4539A5-7504-3101-5347-687539532C34}"/>
+              </a:ext>
+            </a:extLst>
+          </p:cNvPr>
+          <p:cNvPicPr>
+            <a:picLocks noChangeAspect="1" noChangeArrowheads="1"/>
+          </p:cNvPicPr>
+          <p:nvPr/>
+        </p:nvPicPr>
+        <p:blipFill>
+          <a:blip r:embed="rId3">
+            <a:extLst>
+              <a:ext uri="{28A0092B-C50C-407E-A947-70E740481C1C}">
+                <a14:useLocalDpi xmlns:a14="http://schemas.microsoft.com/office/drawing/2010/main" val="0"/>
+              </a:ext>
+            </a:extLst>
+          </a:blip>
+          <a:srcRect/>
+          <a:stretch>
+            <a:fillRect/>
+          </a:stretch>
+        </p:blipFill>
+        <p:spPr bwMode="auto">
+          <a:xfrm>
+            <a:off x="132350" y="6297305"/>
+            <a:ext cx="1431758" cy="360549"/>
+          </a:xfrm>
+          <a:prstGeom prst="rect">
+            <a:avLst/>
+          </a:prstGeom>
+          <a:noFill/>
+          <a:extLst>
+            <a:ext uri="{909E8E84-426E-40DD-AFC4-6F175D3DCCD1}">
+              <a14:hiddenFill xmlns:a14="http://schemas.microsoft.com/office/drawing/2010/main">
+                <a:solidFill>
+                  <a:srgbClr val="FFFFFF"/>
+                </a:solidFill>
+              </a14:hiddenFill>
+            </a:ext>
+          </a:extLst>
+        </p:spPr>
+      </p:pic>
+    </p:spTree>
+    <p:extLst>
+      <p:ext uri="{BB962C8B-B14F-4D97-AF65-F5344CB8AC3E}">
+        <p14:creationId xmlns:p14="http://schemas.microsoft.com/office/powerpoint/2010/main" val="1183750426"/>
+      </p:ext>
+    </p:extLst>
+  </p:cSld>
+  <p:clrMapOvr>
+    <a:masterClrMapping/>
+  </p:clrMapOvr>
+</p:sld>
+</file>
+
+<file path=ppt/slides/slide4.xml><?xml version="1.0" encoding="utf-8"?>
+<p:sld xmlns:a="http://schemas.openxmlformats.org/drawingml/2006/main" xmlns:r="http://schemas.openxmlformats.org/officeDocument/2006/relationships" xmlns:p="http://schemas.openxmlformats.org/presentationml/2006/main">
+  <p:cSld>
+    <p:spTree>
+      <p:nvGrpSpPr>
+        <p:cNvPr id="1" name="">
+          <a:extLst>
+            <a:ext uri="{FF2B5EF4-FFF2-40B4-BE49-F238E27FC236}">
+              <a16:creationId xmlns:a16="http://schemas.microsoft.com/office/drawing/2014/main" id="{5B5B9281-2D0D-4426-A323-D07F16DFB858}"/>
+            </a:ext>
+          </a:extLst>
+        </p:cNvPr>
+        <p:cNvGrpSpPr/>
+        <p:nvPr/>
+      </p:nvGrpSpPr>
+      <p:grpSpPr>
+        <a:xfrm>
+          <a:off x="0" y="0"/>
+          <a:ext cx="0" cy="0"/>
+          <a:chOff x="0" y="0"/>
+          <a:chExt cx="0" cy="0"/>
+        </a:xfrm>
+      </p:grpSpPr>
+      <p:sp>
+        <p:nvSpPr>
+          <p:cNvPr id="3" name="Shape 0">
+            <a:extLst>
+              <a:ext uri="{FF2B5EF4-FFF2-40B4-BE49-F238E27FC236}">
+                <a16:creationId xmlns:a16="http://schemas.microsoft.com/office/drawing/2014/main" id="{500C4073-41AA-7E4F-E782-727CB0C017A7}"/>
+              </a:ext>
+            </a:extLst>
+          </p:cNvPr>
+          <p:cNvSpPr>
+            <a:spLocks/>
+          </p:cNvSpPr>
+          <p:nvPr/>
+        </p:nvSpPr>
+        <p:spPr>
+          <a:xfrm>
+            <a:off x="1" y="0"/>
+            <a:ext cx="12192000" cy="6858000"/>
+          </a:xfrm>
+          <a:prstGeom prst="roundRect">
+            <a:avLst>
+              <a:gd name="adj" fmla="val -40000"/>
+            </a:avLst>
+          </a:prstGeom>
+          <a:gradFill>
+            <a:gsLst>
+              <a:gs pos="100000">
+                <a:schemeClr val="accent1">
+                  <a:lumMod val="60000"/>
+                  <a:lumOff val="40000"/>
+                </a:schemeClr>
+              </a:gs>
+              <a:gs pos="0">
+                <a:schemeClr val="accent1">
+                  <a:lumMod val="50000"/>
+                </a:schemeClr>
+              </a:gs>
+              <a:gs pos="54000">
+                <a:schemeClr val="accent1">
+                  <a:lumMod val="75000"/>
+                </a:schemeClr>
+              </a:gs>
+            </a:gsLst>
+            <a:lin ang="2700000"/>
+          </a:gradFill>
+          <a:ln/>
+        </p:spPr>
+        <p:txBody>
+          <a:bodyPr/>
+          <a:lstStyle/>
+          <a:p>
+            <a:endParaRPr lang="en-GB" sz="2400" dirty="0"/>
+          </a:p>
+        </p:txBody>
+      </p:sp>
+      <p:sp>
+        <p:nvSpPr>
+          <p:cNvPr id="4" name="Text 1">
+            <a:extLst>
+              <a:ext uri="{FF2B5EF4-FFF2-40B4-BE49-F238E27FC236}">
+                <a16:creationId xmlns:a16="http://schemas.microsoft.com/office/drawing/2014/main" id="{847C235E-CF61-77DC-F1E1-0A8C44B31C5B}"/>
+              </a:ext>
+            </a:extLst>
+          </p:cNvPr>
+          <p:cNvSpPr/>
+          <p:nvPr/>
+        </p:nvSpPr>
+        <p:spPr>
+          <a:xfrm>
+            <a:off x="634999" y="1615470"/>
+            <a:ext cx="7823943" cy="3093492"/>
+          </a:xfrm>
+          <a:prstGeom prst="rect">
+            <a:avLst/>
+          </a:prstGeom>
+          <a:noFill/>
+          <a:ln/>
+        </p:spPr>
+        <p:txBody>
+          <a:bodyPr wrap="square" lIns="0" tIns="0" rIns="0" bIns="0" rtlCol="0" anchor="b"/>
+          <a:lstStyle/>
+          <a:p>
+            <a:pPr marL="457189" indent="-457189">
+              <a:lnSpc>
+                <a:spcPts val="4320"/>
+              </a:lnSpc>
+              <a:buFont typeface="+mj-lt"/>
+              <a:buAutoNum type="arabicPeriod"/>
+            </a:pPr>
+            <a:endParaRPr lang="de-DE" sz="2400" b="1" kern="0" spc="-16" dirty="0">
+              <a:solidFill>
+                <a:schemeClr val="bg1"/>
+              </a:solidFill>
+              <a:latin typeface="DM Sans" pitchFamily="34" charset="0"/>
+            </a:endParaRPr>
+          </a:p>
+        </p:txBody>
+      </p:sp>
+      <p:sp>
+        <p:nvSpPr>
+          <p:cNvPr id="7" name="Text 3">
+            <a:extLst>
+              <a:ext uri="{FF2B5EF4-FFF2-40B4-BE49-F238E27FC236}">
+                <a16:creationId xmlns:a16="http://schemas.microsoft.com/office/drawing/2014/main" id="{9689634B-6DBC-7EAD-58A0-D85E1723DA41}"/>
+              </a:ext>
+            </a:extLst>
+          </p:cNvPr>
+          <p:cNvSpPr/>
+          <p:nvPr/>
+        </p:nvSpPr>
+        <p:spPr>
+          <a:xfrm>
+            <a:off x="3474452" y="585484"/>
+            <a:ext cx="6858000" cy="222251"/>
+          </a:xfrm>
+          <a:prstGeom prst="rect">
+            <a:avLst/>
+          </a:prstGeom>
+          <a:noFill/>
+          <a:ln/>
+        </p:spPr>
+        <p:txBody>
+          <a:bodyPr wrap="square" lIns="0" tIns="0" rIns="0" bIns="0" rtlCol="0" anchor="b"/>
+          <a:lstStyle/>
+          <a:p>
+            <a:pPr>
+              <a:lnSpc>
+                <a:spcPts val="1751"/>
+              </a:lnSpc>
+            </a:pPr>
+            <a:r>
+              <a:rPr lang="de-DE" sz="2400" b="1" kern="0" spc="-16" dirty="0">
+                <a:solidFill>
+                  <a:schemeClr val="bg1"/>
+                </a:solidFill>
+                <a:latin typeface="DM Sans" pitchFamily="34" charset="0"/>
+              </a:rPr>
+              <a:t>Company Location vs. Funding </a:t>
+            </a:r>
+            <a:r>
+              <a:rPr lang="de-DE" sz="2400" b="1" kern="0" spc="-16" dirty="0" err="1">
+                <a:solidFill>
+                  <a:schemeClr val="bg1"/>
+                </a:solidFill>
+                <a:latin typeface="DM Sans" pitchFamily="34" charset="0"/>
+              </a:rPr>
+              <a:t>Amount</a:t>
+            </a:r>
+            <a:endParaRPr lang="en-US" sz="1400" dirty="0">
+              <a:solidFill>
+                <a:schemeClr val="bg1"/>
+              </a:solidFill>
+            </a:endParaRPr>
+          </a:p>
+        </p:txBody>
+      </p:sp>
+      <p:sp>
+        <p:nvSpPr>
+          <p:cNvPr id="11" name="Textfeld 10">
+            <a:extLst>
+              <a:ext uri="{FF2B5EF4-FFF2-40B4-BE49-F238E27FC236}">
+                <a16:creationId xmlns:a16="http://schemas.microsoft.com/office/drawing/2014/main" id="{9FD5A71A-21B0-A522-0FDF-3B43385BBA00}"/>
+              </a:ext>
+            </a:extLst>
+          </p:cNvPr>
+          <p:cNvSpPr txBox="1"/>
+          <p:nvPr/>
+        </p:nvSpPr>
+        <p:spPr>
+          <a:xfrm>
+            <a:off x="11982569" y="6176990"/>
+            <a:ext cx="379895" cy="621453"/>
+          </a:xfrm>
+          <a:prstGeom prst="rect">
+            <a:avLst/>
+          </a:prstGeom>
+          <a:noFill/>
+          <a:ln/>
+        </p:spPr>
+        <p:txBody>
+          <a:bodyPr wrap="square" lIns="0" tIns="0" rIns="0" bIns="0" rtlCol="0" anchor="b"/>
+          <a:lstStyle>
+            <a:lvl1pPr marL="342900" indent="-342900">
+              <a:lnSpc>
+                <a:spcPts val="3240"/>
+              </a:lnSpc>
+              <a:buFont typeface="+mj-lt"/>
+              <a:buAutoNum type="arabicPeriod"/>
+              <a:defRPr b="1" kern="0" spc="-12">
+                <a:solidFill>
+                  <a:srgbClr val="0D0451"/>
+                </a:solidFill>
+                <a:latin typeface="DM Sans" pitchFamily="34" charset="0"/>
+              </a:defRPr>
+            </a:lvl1pPr>
+          </a:lstStyle>
+          <a:p>
+            <a:pPr marL="0" indent="0">
+              <a:buNone/>
+            </a:pPr>
+            <a:r>
+              <a:rPr lang="de-DE" sz="1867" dirty="0"/>
+              <a:t>3</a:t>
+            </a:r>
+          </a:p>
+        </p:txBody>
+      </p:sp>
+      <p:pic>
+        <p:nvPicPr>
+          <p:cNvPr id="2" name="Picture 4" descr="TUM.ai Logo">
+            <a:extLst>
+              <a:ext uri="{FF2B5EF4-FFF2-40B4-BE49-F238E27FC236}">
+                <a16:creationId xmlns:a16="http://schemas.microsoft.com/office/drawing/2014/main" id="{9A38CDBC-F0A1-D8E2-9676-9F45AF6CBD61}"/>
+              </a:ext>
+            </a:extLst>
+          </p:cNvPr>
+          <p:cNvPicPr>
+            <a:picLocks noChangeAspect="1" noChangeArrowheads="1"/>
+          </p:cNvPicPr>
+          <p:nvPr/>
+        </p:nvPicPr>
+        <p:blipFill>
+          <a:blip r:embed="rId3">
+            <a:extLst>
+              <a:ext uri="{28A0092B-C50C-407E-A947-70E740481C1C}">
+                <a14:useLocalDpi xmlns:a14="http://schemas.microsoft.com/office/drawing/2010/main" val="0"/>
+              </a:ext>
+            </a:extLst>
+          </a:blip>
+          <a:srcRect/>
+          <a:stretch>
+            <a:fillRect/>
+          </a:stretch>
+        </p:blipFill>
+        <p:spPr bwMode="auto">
+          <a:xfrm>
+            <a:off x="132350" y="6297305"/>
+            <a:ext cx="1431758" cy="360549"/>
+          </a:xfrm>
+          <a:prstGeom prst="rect">
+            <a:avLst/>
+          </a:prstGeom>
+          <a:noFill/>
+          <a:extLst>
+            <a:ext uri="{909E8E84-426E-40DD-AFC4-6F175D3DCCD1}">
+              <a14:hiddenFill xmlns:a14="http://schemas.microsoft.com/office/drawing/2010/main">
+                <a:solidFill>
+                  <a:srgbClr val="FFFFFF"/>
+                </a:solidFill>
+              </a14:hiddenFill>
+            </a:ext>
+          </a:extLst>
+        </p:spPr>
+      </p:pic>
+    </p:spTree>
+    <p:extLst>
+      <p:ext uri="{BB962C8B-B14F-4D97-AF65-F5344CB8AC3E}">
+        <p14:creationId xmlns:p14="http://schemas.microsoft.com/office/powerpoint/2010/main" val="2296202971"/>
+      </p:ext>
+    </p:extLst>
+  </p:cSld>
+  <p:clrMapOvr>
+    <a:masterClrMapping/>
+  </p:clrMapOvr>
+</p:sld>
+</file>
+
+<file path=ppt/slides/slide5.xml><?xml version="1.0" encoding="utf-8"?>
+<p:sld xmlns:a="http://schemas.openxmlformats.org/drawingml/2006/main" xmlns:r="http://schemas.openxmlformats.org/officeDocument/2006/relationships" xmlns:p="http://schemas.openxmlformats.org/presentationml/2006/main">
+  <p:cSld>
+    <p:spTree>
+      <p:nvGrpSpPr>
+        <p:cNvPr id="1" name="">
+          <a:extLst>
+            <a:ext uri="{FF2B5EF4-FFF2-40B4-BE49-F238E27FC236}">
+              <a16:creationId xmlns:a16="http://schemas.microsoft.com/office/drawing/2014/main" id="{2DC442B9-D232-1DB2-2628-262570FD0735}"/>
+            </a:ext>
+          </a:extLst>
+        </p:cNvPr>
+        <p:cNvGrpSpPr/>
+        <p:nvPr/>
+      </p:nvGrpSpPr>
+      <p:grpSpPr>
+        <a:xfrm>
+          <a:off x="0" y="0"/>
+          <a:ext cx="0" cy="0"/>
+          <a:chOff x="0" y="0"/>
+          <a:chExt cx="0" cy="0"/>
+        </a:xfrm>
+      </p:grpSpPr>
+      <p:sp>
+        <p:nvSpPr>
+          <p:cNvPr id="3" name="Shape 0">
+            <a:extLst>
+              <a:ext uri="{FF2B5EF4-FFF2-40B4-BE49-F238E27FC236}">
+                <a16:creationId xmlns:a16="http://schemas.microsoft.com/office/drawing/2014/main" id="{512F3863-4A4E-017A-CF3F-8B066DFE6BA5}"/>
+              </a:ext>
+            </a:extLst>
+          </p:cNvPr>
+          <p:cNvSpPr>
+            <a:spLocks/>
+          </p:cNvSpPr>
+          <p:nvPr/>
+        </p:nvSpPr>
+        <p:spPr>
+          <a:xfrm>
+            <a:off x="1" y="0"/>
+            <a:ext cx="12192000" cy="6858000"/>
+          </a:xfrm>
+          <a:prstGeom prst="roundRect">
+            <a:avLst>
+              <a:gd name="adj" fmla="val -40000"/>
+            </a:avLst>
+          </a:prstGeom>
+          <a:gradFill>
+            <a:gsLst>
+              <a:gs pos="100000">
+                <a:schemeClr val="accent1">
+                  <a:lumMod val="60000"/>
+                  <a:lumOff val="40000"/>
+                </a:schemeClr>
+              </a:gs>
+              <a:gs pos="0">
+                <a:schemeClr val="accent1">
+                  <a:lumMod val="50000"/>
+                </a:schemeClr>
+              </a:gs>
+              <a:gs pos="54000">
+                <a:schemeClr val="accent1">
+                  <a:lumMod val="75000"/>
+                </a:schemeClr>
+              </a:gs>
+            </a:gsLst>
+            <a:lin ang="2700000"/>
+          </a:gradFill>
+          <a:ln/>
+        </p:spPr>
+        <p:txBody>
+          <a:bodyPr/>
+          <a:lstStyle/>
+          <a:p>
+            <a:endParaRPr lang="en-GB" sz="2400" dirty="0"/>
+          </a:p>
+        </p:txBody>
+      </p:sp>
+      <p:sp>
+        <p:nvSpPr>
+          <p:cNvPr id="4" name="Text 1">
+            <a:extLst>
+              <a:ext uri="{FF2B5EF4-FFF2-40B4-BE49-F238E27FC236}">
+                <a16:creationId xmlns:a16="http://schemas.microsoft.com/office/drawing/2014/main" id="{D3B01DF0-9ECF-116E-5B4B-EB8790C2E8C1}"/>
+              </a:ext>
+            </a:extLst>
+          </p:cNvPr>
+          <p:cNvSpPr/>
+          <p:nvPr/>
+        </p:nvSpPr>
+        <p:spPr>
+          <a:xfrm>
+            <a:off x="634999" y="1615470"/>
+            <a:ext cx="7823943" cy="3093492"/>
+          </a:xfrm>
+          <a:prstGeom prst="rect">
+            <a:avLst/>
+          </a:prstGeom>
+          <a:noFill/>
+          <a:ln/>
+        </p:spPr>
+        <p:txBody>
+          <a:bodyPr wrap="square" lIns="0" tIns="0" rIns="0" bIns="0" rtlCol="0" anchor="b"/>
+          <a:lstStyle/>
+          <a:p>
+            <a:pPr marL="457189" indent="-457189">
+              <a:lnSpc>
+                <a:spcPts val="4320"/>
+              </a:lnSpc>
+              <a:buFont typeface="+mj-lt"/>
+              <a:buAutoNum type="arabicPeriod"/>
+            </a:pPr>
+            <a:endParaRPr lang="de-DE" sz="2400" b="1" kern="0" spc="-16" dirty="0">
+              <a:solidFill>
+                <a:schemeClr val="bg1"/>
+              </a:solidFill>
+              <a:latin typeface="DM Sans" pitchFamily="34" charset="0"/>
+            </a:endParaRPr>
+          </a:p>
+        </p:txBody>
+      </p:sp>
+      <p:sp>
+        <p:nvSpPr>
+          <p:cNvPr id="7" name="Text 3">
+            <a:extLst>
+              <a:ext uri="{FF2B5EF4-FFF2-40B4-BE49-F238E27FC236}">
+                <a16:creationId xmlns:a16="http://schemas.microsoft.com/office/drawing/2014/main" id="{B5E95316-63A8-E808-0631-E418A22C1A6A}"/>
+              </a:ext>
+            </a:extLst>
+          </p:cNvPr>
+          <p:cNvSpPr/>
+          <p:nvPr/>
+        </p:nvSpPr>
+        <p:spPr>
+          <a:xfrm>
+            <a:off x="3474452" y="585484"/>
+            <a:ext cx="6858000" cy="222251"/>
+          </a:xfrm>
+          <a:prstGeom prst="rect">
+            <a:avLst/>
+          </a:prstGeom>
+          <a:noFill/>
+          <a:ln/>
+        </p:spPr>
+        <p:txBody>
+          <a:bodyPr wrap="square" lIns="0" tIns="0" rIns="0" bIns="0" rtlCol="0" anchor="b"/>
+          <a:lstStyle/>
+          <a:p>
+            <a:pPr>
+              <a:lnSpc>
+                <a:spcPts val="1751"/>
+              </a:lnSpc>
+            </a:pPr>
+            <a:r>
+              <a:rPr lang="de-DE" sz="2400" b="1" kern="0" spc="-16" dirty="0">
+                <a:solidFill>
+                  <a:schemeClr val="bg1"/>
+                </a:solidFill>
+                <a:latin typeface="DM Sans" pitchFamily="34" charset="0"/>
+              </a:rPr>
+              <a:t>In </a:t>
+            </a:r>
+            <a:r>
+              <a:rPr lang="de-DE" sz="2400" b="1" kern="0" spc="-16" dirty="0" err="1">
+                <a:solidFill>
+                  <a:schemeClr val="bg1"/>
+                </a:solidFill>
+                <a:latin typeface="DM Sans" pitchFamily="34" charset="0"/>
+              </a:rPr>
+              <a:t>which</a:t>
+            </a:r>
+            <a:r>
+              <a:rPr lang="de-DE" sz="2400" b="1" kern="0" spc="-16" dirty="0">
+                <a:solidFill>
+                  <a:schemeClr val="bg1"/>
+                </a:solidFill>
+                <a:latin typeface="DM Sans" pitchFamily="34" charset="0"/>
+              </a:rPr>
+              <a:t> </a:t>
+            </a:r>
+            <a:r>
+              <a:rPr lang="de-DE" sz="2400" b="1" kern="0" spc="-16" dirty="0" err="1">
+                <a:solidFill>
+                  <a:schemeClr val="bg1"/>
+                </a:solidFill>
+                <a:latin typeface="DM Sans" pitchFamily="34" charset="0"/>
+              </a:rPr>
+              <a:t>sectors</a:t>
+            </a:r>
+            <a:r>
+              <a:rPr lang="de-DE" sz="2400" b="1" kern="0" spc="-16" dirty="0">
+                <a:solidFill>
+                  <a:schemeClr val="bg1"/>
+                </a:solidFill>
+                <a:latin typeface="DM Sans" pitchFamily="34" charset="0"/>
+              </a:rPr>
+              <a:t> </a:t>
+            </a:r>
+            <a:r>
+              <a:rPr lang="de-DE" sz="2400" b="1" kern="0" spc="-16" dirty="0" err="1">
+                <a:solidFill>
+                  <a:schemeClr val="bg1"/>
+                </a:solidFill>
+                <a:latin typeface="DM Sans" pitchFamily="34" charset="0"/>
+              </a:rPr>
+              <a:t>does</a:t>
+            </a:r>
+            <a:r>
+              <a:rPr lang="de-DE" sz="2400" b="1" kern="0" spc="-16" dirty="0">
+                <a:solidFill>
+                  <a:schemeClr val="bg1"/>
+                </a:solidFill>
+                <a:latin typeface="DM Sans" pitchFamily="34" charset="0"/>
+              </a:rPr>
+              <a:t> YC </a:t>
+            </a:r>
+            <a:r>
+              <a:rPr lang="de-DE" sz="2400" b="1" kern="0" spc="-16" dirty="0" err="1">
+                <a:solidFill>
+                  <a:schemeClr val="bg1"/>
+                </a:solidFill>
+                <a:latin typeface="DM Sans" pitchFamily="34" charset="0"/>
+              </a:rPr>
+              <a:t>invest</a:t>
+            </a:r>
+            <a:r>
+              <a:rPr lang="de-DE" sz="2400" b="1" kern="0" spc="-16" dirty="0">
+                <a:solidFill>
+                  <a:schemeClr val="bg1"/>
+                </a:solidFill>
+                <a:latin typeface="DM Sans" pitchFamily="34" charset="0"/>
+              </a:rPr>
+              <a:t> in?</a:t>
+            </a:r>
+            <a:endParaRPr lang="en-US" sz="1400" dirty="0">
+              <a:solidFill>
+                <a:schemeClr val="bg1"/>
+              </a:solidFill>
+            </a:endParaRPr>
+          </a:p>
+        </p:txBody>
+      </p:sp>
+      <p:sp>
+        <p:nvSpPr>
+          <p:cNvPr id="11" name="Textfeld 10">
+            <a:extLst>
+              <a:ext uri="{FF2B5EF4-FFF2-40B4-BE49-F238E27FC236}">
+                <a16:creationId xmlns:a16="http://schemas.microsoft.com/office/drawing/2014/main" id="{857852CC-D3BB-970A-C617-6FB0AE6D4F21}"/>
+              </a:ext>
+            </a:extLst>
+          </p:cNvPr>
+          <p:cNvSpPr txBox="1"/>
+          <p:nvPr/>
+        </p:nvSpPr>
+        <p:spPr>
+          <a:xfrm>
+            <a:off x="11982569" y="6176990"/>
+            <a:ext cx="379895" cy="621453"/>
+          </a:xfrm>
+          <a:prstGeom prst="rect">
+            <a:avLst/>
+          </a:prstGeom>
+          <a:noFill/>
+          <a:ln/>
+        </p:spPr>
+        <p:txBody>
+          <a:bodyPr wrap="square" lIns="0" tIns="0" rIns="0" bIns="0" rtlCol="0" anchor="b"/>
+          <a:lstStyle>
+            <a:lvl1pPr marL="342900" indent="-342900">
+              <a:lnSpc>
+                <a:spcPts val="3240"/>
+              </a:lnSpc>
+              <a:buFont typeface="+mj-lt"/>
+              <a:buAutoNum type="arabicPeriod"/>
+              <a:defRPr b="1" kern="0" spc="-12">
+                <a:solidFill>
+                  <a:srgbClr val="0D0451"/>
+                </a:solidFill>
+                <a:latin typeface="DM Sans" pitchFamily="34" charset="0"/>
+              </a:defRPr>
+            </a:lvl1pPr>
+          </a:lstStyle>
+          <a:p>
+            <a:pPr marL="0" indent="0">
+              <a:buNone/>
+            </a:pPr>
+            <a:r>
+              <a:rPr lang="de-DE" sz="1867" dirty="0"/>
+              <a:t>4</a:t>
+            </a:r>
+          </a:p>
+        </p:txBody>
+      </p:sp>
+      <p:pic>
+        <p:nvPicPr>
+          <p:cNvPr id="2" name="Picture 4" descr="TUM.ai Logo">
+            <a:extLst>
+              <a:ext uri="{FF2B5EF4-FFF2-40B4-BE49-F238E27FC236}">
+                <a16:creationId xmlns:a16="http://schemas.microsoft.com/office/drawing/2014/main" id="{3CF4CA3A-B203-7A4B-7556-903BDFD2784D}"/>
+              </a:ext>
+            </a:extLst>
+          </p:cNvPr>
+          <p:cNvPicPr>
+            <a:picLocks noChangeAspect="1" noChangeArrowheads="1"/>
+          </p:cNvPicPr>
+          <p:nvPr/>
+        </p:nvPicPr>
+        <p:blipFill>
+          <a:blip r:embed="rId3">
+            <a:extLst>
+              <a:ext uri="{28A0092B-C50C-407E-A947-70E740481C1C}">
+                <a14:useLocalDpi xmlns:a14="http://schemas.microsoft.com/office/drawing/2010/main" val="0"/>
+              </a:ext>
+            </a:extLst>
+          </a:blip>
+          <a:srcRect/>
+          <a:stretch>
+            <a:fillRect/>
+          </a:stretch>
+        </p:blipFill>
+        <p:spPr bwMode="auto">
+          <a:xfrm>
+            <a:off x="132350" y="6297305"/>
+            <a:ext cx="1431758" cy="360549"/>
+          </a:xfrm>
+          <a:prstGeom prst="rect">
+            <a:avLst/>
+          </a:prstGeom>
+          <a:noFill/>
+          <a:extLst>
+            <a:ext uri="{909E8E84-426E-40DD-AFC4-6F175D3DCCD1}">
+              <a14:hiddenFill xmlns:a14="http://schemas.microsoft.com/office/drawing/2010/main">
+                <a:solidFill>
+                  <a:srgbClr val="FFFFFF"/>
+                </a:solidFill>
+              </a14:hiddenFill>
+            </a:ext>
+          </a:extLst>
+        </p:spPr>
+      </p:pic>
+    </p:spTree>
+    <p:extLst>
+      <p:ext uri="{BB962C8B-B14F-4D97-AF65-F5344CB8AC3E}">
+        <p14:creationId xmlns:p14="http://schemas.microsoft.com/office/powerpoint/2010/main" val="1217097337"/>
+      </p:ext>
+    </p:extLst>
   </p:cSld>
   <p:clrMapOvr>
     <a:masterClrMapping/>
